--- a/файлы/презентация/Курсовая_лето_2021_Снетков.pptx
+++ b/файлы/презентация/Курсовая_лето_2021_Снетков.pptx
@@ -219,7 +219,7 @@
           <a:p>
             <a:fld id="{BB53E99D-1466-481C-BDEE-FBBCFF6B504B}" type="datetimeFigureOut">
               <a:rPr lang="ru-RU" smtClean="0"/>
-              <a:t>07.06.2021</a:t>
+              <a:t>22.05.2022</a:t>
             </a:fld>
             <a:endParaRPr lang="ru-RU"/>
           </a:p>
@@ -541,7 +541,19 @@
                 <a:ea typeface="+mn-ea"/>
                 <a:cs typeface="+mn-cs"/>
               </a:rPr>
-              <a:t>	Стержневые элементы являются составляющими многих строительных и инженерных конструкций. Одними</a:t>
+              <a:t>Стержневые </a:t>
+            </a:r>
+            <a:r>
+              <a:rPr lang="ru-RU" sz="1200" kern="1200" dirty="0" smtClean="0">
+                <a:solidFill>
+                  <a:schemeClr val="tx1"/>
+                </a:solidFill>
+                <a:effectLst/>
+                <a:latin typeface="+mn-lt"/>
+                <a:ea typeface="+mn-ea"/>
+                <a:cs typeface="+mn-cs"/>
+              </a:rPr>
+              <a:t>элементы являются составляющими многих строительных и инженерных конструкций. Одними</a:t>
             </a:r>
             <a:r>
               <a:rPr lang="ru-RU" sz="1200" kern="1200" baseline="0" dirty="0" smtClean="0">
@@ -553,8 +565,43 @@
                 <a:ea typeface="+mn-ea"/>
                 <a:cs typeface="+mn-cs"/>
               </a:rPr>
-              <a:t> их таких элементов могут являются сваи.</a:t>
-            </a:r>
+              <a:t> их таких элементов могут являются сваи</a:t>
+            </a:r>
+            <a:r>
+              <a:rPr lang="ru-RU" sz="1200" kern="1200" baseline="0" dirty="0" smtClean="0">
+                <a:solidFill>
+                  <a:schemeClr val="tx1"/>
+                </a:solidFill>
+                <a:effectLst/>
+                <a:latin typeface="+mn-lt"/>
+                <a:ea typeface="+mn-ea"/>
+                <a:cs typeface="+mn-cs"/>
+              </a:rPr>
+              <a:t>. </a:t>
+            </a:r>
+          </a:p>
+          <a:p>
+            <a:r>
+              <a:rPr lang="ru-RU" sz="1200" kern="1200" baseline="0" dirty="0" smtClean="0">
+                <a:solidFill>
+                  <a:schemeClr val="tx1"/>
+                </a:solidFill>
+                <a:effectLst/>
+                <a:latin typeface="+mn-lt"/>
+                <a:ea typeface="+mn-ea"/>
+                <a:cs typeface="+mn-cs"/>
+              </a:rPr>
+              <a:t>Так же 	</a:t>
+            </a:r>
+            <a:endParaRPr lang="ru-RU" sz="1200" kern="1200" baseline="0" dirty="0" smtClean="0">
+              <a:solidFill>
+                <a:schemeClr val="tx1"/>
+              </a:solidFill>
+              <a:effectLst/>
+              <a:latin typeface="+mn-lt"/>
+              <a:ea typeface="+mn-ea"/>
+              <a:cs typeface="+mn-cs"/>
+            </a:endParaRPr>
           </a:p>
           <a:p>
             <a:r>
@@ -662,8 +709,133 @@
                 <a:ea typeface="+mn-ea"/>
                 <a:cs typeface="+mn-cs"/>
               </a:rPr>
-              <a:t>	Работа посвящена исследованию процесса установившихся с заданной частотой колебаний стержневых конструктивных элементов, моделируемых стержнем конечных размеров.</a:t>
-            </a:r>
+              <a:t>	Работа посвящена исследованию процесса установившихся с заданной частотой колебаний стержневых конструктивных элементов, моделируемых стержнем конечных размеров</a:t>
+            </a:r>
+            <a:r>
+              <a:rPr lang="ru-RU" sz="1200" kern="1200" dirty="0" smtClean="0">
+                <a:solidFill>
+                  <a:schemeClr val="tx1"/>
+                </a:solidFill>
+                <a:effectLst/>
+                <a:latin typeface="+mn-lt"/>
+                <a:ea typeface="+mn-ea"/>
+                <a:cs typeface="+mn-cs"/>
+              </a:rPr>
+              <a:t>.</a:t>
+            </a:r>
+          </a:p>
+          <a:p>
+            <a:endParaRPr lang="ru-RU" sz="1200" kern="1200" dirty="0" smtClean="0">
+              <a:solidFill>
+                <a:schemeClr val="tx1"/>
+              </a:solidFill>
+              <a:effectLst/>
+              <a:latin typeface="+mn-lt"/>
+              <a:ea typeface="+mn-ea"/>
+              <a:cs typeface="+mn-cs"/>
+            </a:endParaRPr>
+          </a:p>
+          <a:p>
+            <a:endParaRPr lang="ru-RU" sz="1200" kern="1200" dirty="0" smtClean="0">
+              <a:solidFill>
+                <a:schemeClr val="tx1"/>
+              </a:solidFill>
+              <a:effectLst/>
+              <a:latin typeface="+mn-lt"/>
+              <a:ea typeface="+mn-ea"/>
+              <a:cs typeface="+mn-cs"/>
+            </a:endParaRPr>
+          </a:p>
+          <a:p>
+            <a:endParaRPr lang="ru-RU" sz="1200" kern="1200" dirty="0" smtClean="0">
+              <a:solidFill>
+                <a:schemeClr val="tx1"/>
+              </a:solidFill>
+              <a:effectLst/>
+              <a:latin typeface="+mn-lt"/>
+              <a:ea typeface="+mn-ea"/>
+              <a:cs typeface="+mn-cs"/>
+            </a:endParaRPr>
+          </a:p>
+          <a:p>
+            <a:endParaRPr lang="ru-RU" sz="1200" kern="1200" dirty="0" smtClean="0">
+              <a:solidFill>
+                <a:schemeClr val="tx1"/>
+              </a:solidFill>
+              <a:effectLst/>
+              <a:latin typeface="+mn-lt"/>
+              <a:ea typeface="+mn-ea"/>
+              <a:cs typeface="+mn-cs"/>
+            </a:endParaRPr>
+          </a:p>
+          <a:p>
+            <a:endParaRPr lang="ru-RU" sz="1200" kern="1200" dirty="0" smtClean="0">
+              <a:solidFill>
+                <a:schemeClr val="tx1"/>
+              </a:solidFill>
+              <a:effectLst/>
+              <a:latin typeface="+mn-lt"/>
+              <a:ea typeface="+mn-ea"/>
+              <a:cs typeface="+mn-cs"/>
+            </a:endParaRPr>
+          </a:p>
+          <a:p>
+            <a:endParaRPr lang="ru-RU" sz="1200" kern="1200" dirty="0" smtClean="0">
+              <a:solidFill>
+                <a:schemeClr val="tx1"/>
+              </a:solidFill>
+              <a:effectLst/>
+              <a:latin typeface="+mn-lt"/>
+              <a:ea typeface="+mn-ea"/>
+              <a:cs typeface="+mn-cs"/>
+            </a:endParaRPr>
+          </a:p>
+          <a:p>
+            <a:r>
+              <a:rPr lang="ru-RU" sz="1200" kern="1200" dirty="0" smtClean="0">
+                <a:solidFill>
+                  <a:schemeClr val="tx1"/>
+                </a:solidFill>
+                <a:effectLst/>
+                <a:latin typeface="+mn-lt"/>
+                <a:ea typeface="+mn-ea"/>
+                <a:cs typeface="+mn-cs"/>
+              </a:rPr>
+              <a:t>Стержневые элементы повсеместно</a:t>
+            </a:r>
+            <a:r>
+              <a:rPr lang="ru-RU" sz="1200" kern="1200" baseline="0" dirty="0" smtClean="0">
+                <a:solidFill>
+                  <a:schemeClr val="tx1"/>
+                </a:solidFill>
+                <a:effectLst/>
+                <a:latin typeface="+mn-lt"/>
+                <a:ea typeface="+mn-ea"/>
+                <a:cs typeface="+mn-cs"/>
+              </a:rPr>
+              <a:t> применяются во всех сферах которые нас окружают. промышленности, </a:t>
+            </a:r>
+            <a:r>
+              <a:rPr lang="ru-RU" sz="1200" kern="1200" baseline="0" dirty="0" err="1" smtClean="0">
+                <a:solidFill>
+                  <a:schemeClr val="tx1"/>
+                </a:solidFill>
+                <a:effectLst/>
+                <a:latin typeface="+mn-lt"/>
+                <a:ea typeface="+mn-ea"/>
+                <a:cs typeface="+mn-cs"/>
+              </a:rPr>
+              <a:t>сттроительст</a:t>
+            </a:r>
+            <a:endParaRPr lang="ru-RU" sz="1200" kern="1200" dirty="0" smtClean="0">
+              <a:solidFill>
+                <a:schemeClr val="tx1"/>
+              </a:solidFill>
+              <a:effectLst/>
+              <a:latin typeface="+mn-lt"/>
+              <a:ea typeface="+mn-ea"/>
+              <a:cs typeface="+mn-cs"/>
+            </a:endParaRPr>
           </a:p>
           <a:p>
             <a:endParaRPr lang="ru-RU" sz="1200" kern="1200" dirty="0" smtClean="0">
@@ -2466,7 +2638,7 @@
           <a:graphicData uri="http://schemas.openxmlformats.org/presentationml/2006/ole">
             <mc:AlternateContent xmlns:mc="http://schemas.openxmlformats.org/markup-compatibility/2006">
               <mc:Choice xmlns:v="urn:schemas-microsoft-com:vml" Requires="v">
-                <p:oleObj spid="_x0000_s8012" name="Equation" r:id="rId4" imgW="203040" imgH="241200" progId="Equation.DSMT4">
+                <p:oleObj spid="_x0000_s8112" name="Equation" r:id="rId4" imgW="203040" imgH="241200" progId="Equation.DSMT4">
                   <p:embed/>
                 </p:oleObj>
               </mc:Choice>
@@ -2523,7 +2695,7 @@
           <a:graphicData uri="http://schemas.openxmlformats.org/presentationml/2006/ole">
             <mc:AlternateContent xmlns:mc="http://schemas.openxmlformats.org/markup-compatibility/2006">
               <mc:Choice xmlns:v="urn:schemas-microsoft-com:vml" Requires="v">
-                <p:oleObj spid="_x0000_s8013" name="Equation" r:id="rId6" imgW="203040" imgH="241200" progId="Equation.DSMT4">
+                <p:oleObj spid="_x0000_s8113" name="Equation" r:id="rId6" imgW="203040" imgH="241200" progId="Equation.DSMT4">
                   <p:embed/>
                 </p:oleObj>
               </mc:Choice>
@@ -2580,7 +2752,7 @@
           <a:graphicData uri="http://schemas.openxmlformats.org/presentationml/2006/ole">
             <mc:AlternateContent xmlns:mc="http://schemas.openxmlformats.org/markup-compatibility/2006">
               <mc:Choice xmlns:v="urn:schemas-microsoft-com:vml" Requires="v">
-                <p:oleObj spid="_x0000_s8014" name="Equation" r:id="rId7" imgW="203040" imgH="241200" progId="Equation.DSMT4">
+                <p:oleObj spid="_x0000_s8114" name="Equation" r:id="rId7" imgW="203040" imgH="241200" progId="Equation.DSMT4">
                   <p:embed/>
                 </p:oleObj>
               </mc:Choice>
@@ -2637,7 +2809,7 @@
           <a:graphicData uri="http://schemas.openxmlformats.org/presentationml/2006/ole">
             <mc:AlternateContent xmlns:mc="http://schemas.openxmlformats.org/markup-compatibility/2006">
               <mc:Choice xmlns:v="urn:schemas-microsoft-com:vml" Requires="v">
-                <p:oleObj spid="_x0000_s8015" name="Equation" r:id="rId8" imgW="228273" imgH="247319" progId="Equation.DSMT4">
+                <p:oleObj spid="_x0000_s8115" name="Equation" r:id="rId8" imgW="228273" imgH="247319" progId="Equation.DSMT4">
                   <p:embed/>
                 </p:oleObj>
               </mc:Choice>
@@ -2694,7 +2866,7 @@
           <a:graphicData uri="http://schemas.openxmlformats.org/presentationml/2006/ole">
             <mc:AlternateContent xmlns:mc="http://schemas.openxmlformats.org/markup-compatibility/2006">
               <mc:Choice xmlns:v="urn:schemas-microsoft-com:vml" Requires="v">
-                <p:oleObj spid="_x0000_s8016" name="Equation" r:id="rId10" imgW="622080" imgH="444240" progId="Equation.DSMT4">
+                <p:oleObj spid="_x0000_s8116" name="Equation" r:id="rId10" imgW="622080" imgH="444240" progId="Equation.DSMT4">
                   <p:embed/>
                 </p:oleObj>
               </mc:Choice>
@@ -2751,7 +2923,7 @@
           <a:graphicData uri="http://schemas.openxmlformats.org/presentationml/2006/ole">
             <mc:AlternateContent xmlns:mc="http://schemas.openxmlformats.org/markup-compatibility/2006">
               <mc:Choice xmlns:v="urn:schemas-microsoft-com:vml" Requires="v">
-                <p:oleObj spid="_x0000_s8017" name="Equation" r:id="rId12" imgW="622080" imgH="444240" progId="Equation.DSMT4">
+                <p:oleObj spid="_x0000_s8117" name="Equation" r:id="rId12" imgW="622080" imgH="444240" progId="Equation.DSMT4">
                   <p:embed/>
                 </p:oleObj>
               </mc:Choice>
@@ -2808,7 +2980,7 @@
           <a:graphicData uri="http://schemas.openxmlformats.org/presentationml/2006/ole">
             <mc:AlternateContent xmlns:mc="http://schemas.openxmlformats.org/markup-compatibility/2006">
               <mc:Choice xmlns:v="urn:schemas-microsoft-com:vml" Requires="v">
-                <p:oleObj spid="_x0000_s8018" name="Equation" r:id="rId13" imgW="203040" imgH="241200" progId="Equation.DSMT4">
+                <p:oleObj spid="_x0000_s8118" name="Equation" r:id="rId13" imgW="203040" imgH="241200" progId="Equation.DSMT4">
                   <p:embed/>
                 </p:oleObj>
               </mc:Choice>
@@ -2865,7 +3037,7 @@
           <a:graphicData uri="http://schemas.openxmlformats.org/presentationml/2006/ole">
             <mc:AlternateContent xmlns:mc="http://schemas.openxmlformats.org/markup-compatibility/2006">
               <mc:Choice xmlns:v="urn:schemas-microsoft-com:vml" Requires="v">
-                <p:oleObj spid="_x0000_s8019" name="Equation" r:id="rId15" imgW="203040" imgH="241200" progId="Equation.DSMT4">
+                <p:oleObj spid="_x0000_s8119" name="Equation" r:id="rId15" imgW="203040" imgH="241200" progId="Equation.DSMT4">
                   <p:embed/>
                 </p:oleObj>
               </mc:Choice>
@@ -2922,7 +3094,7 @@
           <a:graphicData uri="http://schemas.openxmlformats.org/presentationml/2006/ole">
             <mc:AlternateContent xmlns:mc="http://schemas.openxmlformats.org/markup-compatibility/2006">
               <mc:Choice xmlns:v="urn:schemas-microsoft-com:vml" Requires="v">
-                <p:oleObj spid="_x0000_s8020" name="Equation" r:id="rId16" imgW="3233783" imgH="695360" progId="Equation.DSMT4">
+                <p:oleObj spid="_x0000_s8120" name="Equation" r:id="rId16" imgW="3233783" imgH="695360" progId="Equation.DSMT4">
                   <p:embed/>
                 </p:oleObj>
               </mc:Choice>
@@ -2979,7 +3151,7 @@
           <a:graphicData uri="http://schemas.openxmlformats.org/presentationml/2006/ole">
             <mc:AlternateContent xmlns:mc="http://schemas.openxmlformats.org/markup-compatibility/2006">
               <mc:Choice xmlns:v="urn:schemas-microsoft-com:vml" Requires="v">
-                <p:oleObj spid="_x0000_s8021" name="Equation" r:id="rId18" imgW="3233783" imgH="695360" progId="Equation.DSMT4">
+                <p:oleObj spid="_x0000_s8121" name="Equation" r:id="rId18" imgW="3233783" imgH="695360" progId="Equation.DSMT4">
                   <p:embed/>
                 </p:oleObj>
               </mc:Choice>
@@ -4633,7 +4805,7 @@
           <a:graphicData uri="http://schemas.openxmlformats.org/presentationml/2006/ole">
             <mc:AlternateContent xmlns:mc="http://schemas.openxmlformats.org/markup-compatibility/2006">
               <mc:Choice xmlns:v="urn:schemas-microsoft-com:vml" Requires="v">
-                <p:oleObj spid="_x0000_s11328" name="Equation" r:id="rId4" imgW="1434960" imgH="520560" progId="Equation.DSMT4">
+                <p:oleObj spid="_x0000_s11338" name="Equation" r:id="rId4" imgW="1434960" imgH="520560" progId="Equation.DSMT4">
                   <p:embed/>
                 </p:oleObj>
               </mc:Choice>
@@ -5409,15 +5581,7 @@
           <a:p>
             <a:r>
               <a:rPr lang="ru-RU" dirty="0" smtClean="0"/>
-              <a:t>На рисунке </a:t>
-            </a:r>
-            <a:r>
-              <a:rPr lang="ru-RU" dirty="0" smtClean="0"/>
-              <a:t>2 </a:t>
-            </a:r>
-            <a:r>
-              <a:rPr lang="ru-RU" dirty="0" smtClean="0"/>
-              <a:t>представлено</a:t>
+              <a:t>На рисунке 2 представлено</a:t>
             </a:r>
             <a:r>
               <a:rPr lang="ru-RU" baseline="0" dirty="0" smtClean="0"/>
@@ -5427,15 +5591,7 @@
           <a:p>
             <a:r>
               <a:rPr lang="ru-RU" dirty="0" smtClean="0"/>
-              <a:t>На рисунке </a:t>
-            </a:r>
-            <a:r>
-              <a:rPr lang="ru-RU" dirty="0" smtClean="0"/>
-              <a:t>3 </a:t>
-            </a:r>
-            <a:r>
-              <a:rPr lang="ru-RU" dirty="0" smtClean="0"/>
-              <a:t>окно</a:t>
+              <a:t>На рисунке 3 окно</a:t>
             </a:r>
             <a:r>
               <a:rPr lang="ru-RU" baseline="0" dirty="0" smtClean="0"/>
@@ -5964,7 +6120,7 @@
           <a:p>
             <a:fld id="{4AAD347D-5ACD-4C99-B74B-A9C85AD731AF}" type="datetimeFigureOut">
               <a:rPr lang="en-US" dirty="0"/>
-              <a:t>6/7/2021</a:t>
+              <a:t>5/22/2022</a:t>
             </a:fld>
             <a:endParaRPr lang="en-US" dirty="0"/>
           </a:p>
@@ -6246,7 +6402,7 @@
           <a:p>
             <a:fld id="{4509A250-FF31-4206-8172-F9D3106AACB1}" type="datetimeFigureOut">
               <a:rPr lang="en-US" dirty="0"/>
-              <a:t>6/7/2021</a:t>
+              <a:t>5/22/2022</a:t>
             </a:fld>
             <a:endParaRPr lang="en-US" dirty="0"/>
           </a:p>
@@ -6447,7 +6603,7 @@
           <a:p>
             <a:fld id="{4509A250-FF31-4206-8172-F9D3106AACB1}" type="datetimeFigureOut">
               <a:rPr lang="en-US" dirty="0"/>
-              <a:t>6/7/2021</a:t>
+              <a:t>5/22/2022</a:t>
             </a:fld>
             <a:endParaRPr lang="en-US" dirty="0"/>
           </a:p>
@@ -6727,7 +6883,7 @@
           <a:p>
             <a:fld id="{4509A250-FF31-4206-8172-F9D3106AACB1}" type="datetimeFigureOut">
               <a:rPr lang="en-US" dirty="0"/>
-              <a:t>6/7/2021</a:t>
+              <a:t>5/22/2022</a:t>
             </a:fld>
             <a:endParaRPr lang="en-US" dirty="0"/>
           </a:p>
@@ -7075,7 +7231,7 @@
           <a:p>
             <a:fld id="{4509A250-FF31-4206-8172-F9D3106AACB1}" type="datetimeFigureOut">
               <a:rPr lang="en-US" dirty="0"/>
-              <a:t>6/7/2021</a:t>
+              <a:t>5/22/2022</a:t>
             </a:fld>
             <a:endParaRPr lang="en-US" dirty="0"/>
           </a:p>
@@ -7705,7 +7861,7 @@
           <a:p>
             <a:fld id="{4509A250-FF31-4206-8172-F9D3106AACB1}" type="datetimeFigureOut">
               <a:rPr lang="en-US" dirty="0"/>
-              <a:t>6/7/2021</a:t>
+              <a:t>5/22/2022</a:t>
             </a:fld>
             <a:endParaRPr lang="en-US" dirty="0"/>
           </a:p>
@@ -8572,7 +8728,7 @@
           <a:p>
             <a:fld id="{4509A250-FF31-4206-8172-F9D3106AACB1}" type="datetimeFigureOut">
               <a:rPr lang="en-US" dirty="0"/>
-              <a:t>6/7/2021</a:t>
+              <a:t>5/22/2022</a:t>
             </a:fld>
             <a:endParaRPr lang="en-US" dirty="0"/>
           </a:p>
@@ -8749,7 +8905,7 @@
           <a:p>
             <a:fld id="{4509A250-FF31-4206-8172-F9D3106AACB1}" type="datetimeFigureOut">
               <a:rPr lang="en-US" dirty="0"/>
-              <a:t>6/7/2021</a:t>
+              <a:t>5/22/2022</a:t>
             </a:fld>
             <a:endParaRPr lang="en-US" dirty="0"/>
           </a:p>
@@ -8936,7 +9092,7 @@
           <a:p>
             <a:fld id="{4509A250-FF31-4206-8172-F9D3106AACB1}" type="datetimeFigureOut">
               <a:rPr lang="en-US" dirty="0"/>
-              <a:t>6/7/2021</a:t>
+              <a:t>5/22/2022</a:t>
             </a:fld>
             <a:endParaRPr lang="en-US" dirty="0"/>
           </a:p>
@@ -9113,7 +9269,7 @@
           <a:p>
             <a:fld id="{4509A250-FF31-4206-8172-F9D3106AACB1}" type="datetimeFigureOut">
               <a:rPr lang="en-US" dirty="0"/>
-              <a:t>6/7/2021</a:t>
+              <a:t>5/22/2022</a:t>
             </a:fld>
             <a:endParaRPr lang="en-US" dirty="0"/>
           </a:p>
@@ -9367,7 +9523,7 @@
           <a:p>
             <a:fld id="{9796027F-7875-4030-9381-8BD8C4F21935}" type="datetimeFigureOut">
               <a:rPr lang="en-US" dirty="0"/>
-              <a:t>6/7/2021</a:t>
+              <a:t>5/22/2022</a:t>
             </a:fld>
             <a:endParaRPr lang="en-US" dirty="0"/>
           </a:p>
@@ -9666,7 +9822,7 @@
           <a:p>
             <a:fld id="{9796027F-7875-4030-9381-8BD8C4F21935}" type="datetimeFigureOut">
               <a:rPr lang="en-US" dirty="0"/>
-              <a:t>6/7/2021</a:t>
+              <a:t>5/22/2022</a:t>
             </a:fld>
             <a:endParaRPr lang="en-US" dirty="0"/>
           </a:p>
@@ -10117,7 +10273,7 @@
           <a:p>
             <a:fld id="{9796027F-7875-4030-9381-8BD8C4F21935}" type="datetimeFigureOut">
               <a:rPr lang="en-US" dirty="0"/>
-              <a:t>6/7/2021</a:t>
+              <a:t>5/22/2022</a:t>
             </a:fld>
             <a:endParaRPr lang="en-US" dirty="0"/>
           </a:p>
@@ -10242,7 +10398,7 @@
           <a:p>
             <a:fld id="{4509A250-FF31-4206-8172-F9D3106AACB1}" type="datetimeFigureOut">
               <a:rPr lang="en-US" dirty="0"/>
-              <a:t>6/7/2021</a:t>
+              <a:t>5/22/2022</a:t>
             </a:fld>
             <a:endParaRPr lang="en-US" dirty="0"/>
           </a:p>
@@ -10344,7 +10500,7 @@
           <a:p>
             <a:fld id="{4509A250-FF31-4206-8172-F9D3106AACB1}" type="datetimeFigureOut">
               <a:rPr lang="en-US" dirty="0"/>
-              <a:t>6/7/2021</a:t>
+              <a:t>5/22/2022</a:t>
             </a:fld>
             <a:endParaRPr lang="en-US" dirty="0"/>
           </a:p>
@@ -10630,7 +10786,7 @@
           <a:p>
             <a:fld id="{4509A250-FF31-4206-8172-F9D3106AACB1}" type="datetimeFigureOut">
               <a:rPr lang="en-US" dirty="0"/>
-              <a:t>6/7/2021</a:t>
+              <a:t>5/22/2022</a:t>
             </a:fld>
             <a:endParaRPr lang="en-US" dirty="0"/>
           </a:p>
@@ -10912,7 +11068,7 @@
           <a:p>
             <a:fld id="{4509A250-FF31-4206-8172-F9D3106AACB1}" type="datetimeFigureOut">
               <a:rPr lang="en-US" dirty="0"/>
-              <a:t>6/7/2021</a:t>
+              <a:t>5/22/2022</a:t>
             </a:fld>
             <a:endParaRPr lang="en-US" dirty="0"/>
           </a:p>
@@ -11348,7 +11504,7 @@
           <a:p>
             <a:fld id="{4AAD347D-5ACD-4C99-B74B-A9C85AD731AF}" type="datetimeFigureOut">
               <a:rPr lang="en-US" dirty="0"/>
-              <a:t>6/7/2021</a:t>
+              <a:t>5/22/2022</a:t>
             </a:fld>
             <a:endParaRPr lang="en-US" dirty="0"/>
           </a:p>
@@ -11894,8 +12050,8 @@
         </p:nvSpPr>
         <p:spPr>
           <a:xfrm>
-            <a:off x="960583" y="5202967"/>
-            <a:ext cx="8825658" cy="634957"/>
+            <a:off x="1078461" y="4283243"/>
+            <a:ext cx="8825658" cy="2084074"/>
           </a:xfrm>
           <a:prstGeom prst="rect">
             <a:avLst/>
@@ -11980,13 +12136,32 @@
           <a:p>
             <a:r>
               <a:rPr lang="ru-RU" sz="2400" b="1" dirty="0" smtClean="0"/>
-              <a:t>Снетков Дмитрий Андреевич</a:t>
+              <a:t>Выполнил работу: </a:t>
             </a:r>
           </a:p>
           <a:p>
             <a:r>
               <a:rPr lang="ru-RU" sz="2400" b="1" dirty="0" smtClean="0"/>
-              <a:t>Кубанский государственный университет</a:t>
+              <a:t>Снетков </a:t>
+            </a:r>
+            <a:r>
+              <a:rPr lang="ru-RU" sz="2400" b="1" dirty="0" smtClean="0"/>
+              <a:t>Дмитрий Андреевич</a:t>
+            </a:r>
+          </a:p>
+          <a:p>
+            <a:endParaRPr lang="ru-RU" sz="2400" b="1" dirty="0" smtClean="0"/>
+          </a:p>
+          <a:p>
+            <a:r>
+              <a:rPr lang="ru-RU" sz="2400" b="1" dirty="0" smtClean="0"/>
+              <a:t>Научный руководитель:</a:t>
+            </a:r>
+          </a:p>
+          <a:p>
+            <a:r>
+              <a:rPr lang="ru-RU" sz="2400" b="1" dirty="0" smtClean="0"/>
+              <a:t>Павлова Алла Владимировна</a:t>
             </a:r>
             <a:endParaRPr lang="ru-RU" sz="2400" dirty="0"/>
           </a:p>
@@ -12000,8 +12175,8 @@
         </p:nvSpPr>
         <p:spPr>
           <a:xfrm>
-            <a:off x="960583" y="1023650"/>
-            <a:ext cx="9414340" cy="3785652"/>
+            <a:off x="784120" y="2162640"/>
+            <a:ext cx="9414340" cy="830997"/>
           </a:xfrm>
           <a:prstGeom prst="rect">
             <a:avLst/>
@@ -12015,12 +12190,17 @@
           <a:p>
             <a:r>
               <a:rPr lang="ru-RU" sz="4800" b="1" dirty="0" smtClean="0">
+                <a:solidFill>
+                  <a:srgbClr val="FF0000"/>
+                </a:solidFill>
                 <a:latin typeface="+mj-lt"/>
-                <a:ea typeface="Calibri" panose="020F0502020204030204" pitchFamily="34" charset="0"/>
               </a:rPr>
-              <a:t>ИССЛЕДОВАНИЕ ПРОДОЛЬНЫХ И ПОПЕРЕЧНО – ИЗГИБНЫХ КОЛЕБАНИЯ СТРЕЖНЕВЫХ ЭЛЕМЕНТОВ КОНСТРУКЦИЙ</a:t>
+              <a:t>ТУТ ДОЛЖНО БЫТЬ НАЗВАНИЕ</a:t>
             </a:r>
             <a:endParaRPr lang="ru-RU" sz="4800" b="1" dirty="0">
+              <a:solidFill>
+                <a:srgbClr val="FF0000"/>
+              </a:solidFill>
               <a:latin typeface="+mj-lt"/>
             </a:endParaRPr>
           </a:p>
@@ -12605,7 +12785,7 @@
         </p:nvSpPr>
         <p:spPr>
           <a:xfrm>
-            <a:off x="1792967" y="1331487"/>
+            <a:off x="1407956" y="657718"/>
             <a:ext cx="8628610" cy="923330"/>
           </a:xfrm>
           <a:prstGeom prst="rect">
@@ -12653,7 +12833,7 @@
         </p:blipFill>
         <p:spPr>
           <a:xfrm>
-            <a:off x="3052617" y="2254817"/>
+            <a:off x="485880" y="2864417"/>
             <a:ext cx="6109309" cy="3863774"/>
           </a:xfrm>
           <a:prstGeom prst="rect">
@@ -13518,7 +13698,7 @@
           <a:graphicData uri="http://schemas.openxmlformats.org/presentationml/2006/ole">
             <mc:AlternateContent xmlns:mc="http://schemas.openxmlformats.org/markup-compatibility/2006">
               <mc:Choice xmlns:v="urn:schemas-microsoft-com:vml" Requires="v">
-                <p:oleObj spid="_x0000_s8352" name="Equation" r:id="rId5" imgW="4152600" imgH="482400" progId="Equation.DSMT4">
+                <p:oleObj spid="_x0000_s8372" name="Equation" r:id="rId5" imgW="4152600" imgH="482400" progId="Equation.DSMT4">
                   <p:embed/>
                 </p:oleObj>
               </mc:Choice>
@@ -13844,7 +14024,7 @@
           <a:graphicData uri="http://schemas.openxmlformats.org/presentationml/2006/ole">
             <mc:AlternateContent xmlns:mc="http://schemas.openxmlformats.org/markup-compatibility/2006">
               <mc:Choice xmlns:v="urn:schemas-microsoft-com:vml" Requires="v">
-                <p:oleObj spid="_x0000_s8353" name="Equation" r:id="rId8" imgW="1231560" imgH="266400" progId="Equation.DSMT4">
+                <p:oleObj spid="_x0000_s8373" name="Equation" r:id="rId8" imgW="1231560" imgH="266400" progId="Equation.DSMT4">
                   <p:embed/>
                 </p:oleObj>
               </mc:Choice>
@@ -15323,7 +15503,7 @@
           <a:graphicData uri="http://schemas.openxmlformats.org/presentationml/2006/ole">
             <mc:AlternateContent xmlns:mc="http://schemas.openxmlformats.org/markup-compatibility/2006">
               <mc:Choice xmlns:v="urn:schemas-microsoft-com:vml" Requires="v">
-                <p:oleObj spid="_x0000_s9641" name="Equation" r:id="rId12" imgW="507960" imgH="215640" progId="Equation.DSMT4">
+                <p:oleObj spid="_x0000_s9701" name="Equation" r:id="rId12" imgW="507960" imgH="215640" progId="Equation.DSMT4">
                   <p:embed/>
                 </p:oleObj>
               </mc:Choice>
@@ -15406,7 +15586,7 @@
           <a:graphicData uri="http://schemas.openxmlformats.org/presentationml/2006/ole">
             <mc:AlternateContent xmlns:mc="http://schemas.openxmlformats.org/markup-compatibility/2006">
               <mc:Choice xmlns:v="urn:schemas-microsoft-com:vml" Requires="v">
-                <p:oleObj spid="_x0000_s9642" name="Equation" r:id="rId14" imgW="444240" imgH="190440" progId="Equation.DSMT4">
+                <p:oleObj spid="_x0000_s9702" name="Equation" r:id="rId14" imgW="444240" imgH="190440" progId="Equation.DSMT4">
                   <p:embed/>
                 </p:oleObj>
               </mc:Choice>
@@ -15489,7 +15669,7 @@
           <a:graphicData uri="http://schemas.openxmlformats.org/presentationml/2006/ole">
             <mc:AlternateContent xmlns:mc="http://schemas.openxmlformats.org/markup-compatibility/2006">
               <mc:Choice xmlns:v="urn:schemas-microsoft-com:vml" Requires="v">
-                <p:oleObj spid="_x0000_s9643" name="Equation" r:id="rId16" imgW="571320" imgH="457200" progId="Equation.DSMT4">
+                <p:oleObj spid="_x0000_s9703" name="Equation" r:id="rId16" imgW="571320" imgH="457200" progId="Equation.DSMT4">
                   <p:embed/>
                 </p:oleObj>
               </mc:Choice>
@@ -15546,7 +15726,7 @@
           <a:graphicData uri="http://schemas.openxmlformats.org/presentationml/2006/ole">
             <mc:AlternateContent xmlns:mc="http://schemas.openxmlformats.org/markup-compatibility/2006">
               <mc:Choice xmlns:v="urn:schemas-microsoft-com:vml" Requires="v">
-                <p:oleObj spid="_x0000_s9644" name="Equation" r:id="rId18" imgW="1205100" imgH="509570" progId="Equation.DSMT4">
+                <p:oleObj spid="_x0000_s9704" name="Equation" r:id="rId18" imgW="1205100" imgH="509570" progId="Equation.DSMT4">
                   <p:embed/>
                 </p:oleObj>
               </mc:Choice>
@@ -15603,7 +15783,7 @@
           <a:graphicData uri="http://schemas.openxmlformats.org/presentationml/2006/ole">
             <mc:AlternateContent xmlns:mc="http://schemas.openxmlformats.org/markup-compatibility/2006">
               <mc:Choice xmlns:v="urn:schemas-microsoft-com:vml" Requires="v">
-                <p:oleObj spid="_x0000_s9645" name="Equation" r:id="rId20" imgW="583920" imgH="482400" progId="Equation.DSMT4">
+                <p:oleObj spid="_x0000_s9705" name="Equation" r:id="rId20" imgW="583920" imgH="482400" progId="Equation.DSMT4">
                   <p:embed/>
                 </p:oleObj>
               </mc:Choice>
@@ -15660,7 +15840,7 @@
           <a:graphicData uri="http://schemas.openxmlformats.org/presentationml/2006/ole">
             <mc:AlternateContent xmlns:mc="http://schemas.openxmlformats.org/markup-compatibility/2006">
               <mc:Choice xmlns:v="urn:schemas-microsoft-com:vml" Requires="v">
-                <p:oleObj spid="_x0000_s9646" name="Equation" r:id="rId22" imgW="1085669" imgH="490451" progId="Equation.DSMT4">
+                <p:oleObj spid="_x0000_s9706" name="Equation" r:id="rId22" imgW="1085669" imgH="490451" progId="Equation.DSMT4">
                   <p:embed/>
                 </p:oleObj>
               </mc:Choice>
@@ -16731,7 +16911,7 @@
           <a:graphicData uri="http://schemas.openxmlformats.org/presentationml/2006/ole">
             <mc:AlternateContent xmlns:mc="http://schemas.openxmlformats.org/markup-compatibility/2006">
               <mc:Choice xmlns:v="urn:schemas-microsoft-com:vml" Requires="v">
-                <p:oleObj spid="_x0000_s6358" name="Equation" r:id="rId5" imgW="4952880" imgH="571320" progId="Equation.DSMT4">
+                <p:oleObj spid="_x0000_s6368" name="Equation" r:id="rId5" imgW="4952880" imgH="571320" progId="Equation.DSMT4">
                   <p:embed/>
                 </p:oleObj>
               </mc:Choice>
@@ -17585,7 +17765,7 @@
           <a:graphicData uri="http://schemas.openxmlformats.org/presentationml/2006/ole">
             <mc:AlternateContent xmlns:mc="http://schemas.openxmlformats.org/markup-compatibility/2006">
               <mc:Choice xmlns:v="urn:schemas-microsoft-com:vml" Requires="v">
-                <p:oleObj spid="_x0000_s10438" name="Equation" r:id="rId4" imgW="1269720" imgH="266400" progId="Equation.DSMT4">
+                <p:oleObj spid="_x0000_s10468" name="Equation" r:id="rId4" imgW="1269720" imgH="266400" progId="Equation.DSMT4">
                   <p:embed/>
                 </p:oleObj>
               </mc:Choice>
@@ -17642,7 +17822,7 @@
           <a:graphicData uri="http://schemas.openxmlformats.org/presentationml/2006/ole">
             <mc:AlternateContent xmlns:mc="http://schemas.openxmlformats.org/markup-compatibility/2006">
               <mc:Choice xmlns:v="urn:schemas-microsoft-com:vml" Requires="v">
-                <p:oleObj spid="_x0000_s10439" name="Equation" r:id="rId6" imgW="2705040" imgH="482400" progId="Equation.DSMT4">
+                <p:oleObj spid="_x0000_s10469" name="Equation" r:id="rId6" imgW="2705040" imgH="482400" progId="Equation.DSMT4">
                   <p:embed/>
                 </p:oleObj>
               </mc:Choice>
@@ -17729,7 +17909,7 @@
           <a:graphicData uri="http://schemas.openxmlformats.org/presentationml/2006/ole">
             <mc:AlternateContent xmlns:mc="http://schemas.openxmlformats.org/markup-compatibility/2006">
               <mc:Choice xmlns:v="urn:schemas-microsoft-com:vml" Requires="v">
-                <p:oleObj spid="_x0000_s10440" name="Equation" r:id="rId8" imgW="1434960" imgH="520560" progId="Equation.DSMT4">
+                <p:oleObj spid="_x0000_s10470" name="Equation" r:id="rId8" imgW="1434960" imgH="520560" progId="Equation.DSMT4">
                   <p:embed/>
                 </p:oleObj>
               </mc:Choice>
@@ -17923,7 +18103,7 @@
           <a:graphicData uri="http://schemas.openxmlformats.org/presentationml/2006/ole">
             <mc:AlternateContent xmlns:mc="http://schemas.openxmlformats.org/markup-compatibility/2006">
               <mc:Choice xmlns:v="urn:schemas-microsoft-com:vml" Requires="v">
-                <p:oleObj spid="_x0000_s12506" name="Equation" r:id="rId4" imgW="2286000" imgH="444240" progId="Equation.DSMT4">
+                <p:oleObj spid="_x0000_s12546" name="Equation" r:id="rId4" imgW="2286000" imgH="444240" progId="Equation.DSMT4">
                   <p:embed/>
                 </p:oleObj>
               </mc:Choice>
@@ -17980,7 +18160,7 @@
           <a:graphicData uri="http://schemas.openxmlformats.org/presentationml/2006/ole">
             <mc:AlternateContent xmlns:mc="http://schemas.openxmlformats.org/markup-compatibility/2006">
               <mc:Choice xmlns:v="urn:schemas-microsoft-com:vml" Requires="v">
-                <p:oleObj spid="_x0000_s12507" name="Equation" r:id="rId6" imgW="2286000" imgH="444240" progId="Equation.DSMT4">
+                <p:oleObj spid="_x0000_s12547" name="Equation" r:id="rId6" imgW="2286000" imgH="444240" progId="Equation.DSMT4">
                   <p:embed/>
                 </p:oleObj>
               </mc:Choice>
@@ -18037,7 +18217,7 @@
           <a:graphicData uri="http://schemas.openxmlformats.org/presentationml/2006/ole">
             <mc:AlternateContent xmlns:mc="http://schemas.openxmlformats.org/markup-compatibility/2006">
               <mc:Choice xmlns:v="urn:schemas-microsoft-com:vml" Requires="v">
-                <p:oleObj spid="_x0000_s12508" name="Equation" r:id="rId7" imgW="2298600" imgH="444240" progId="Equation.DSMT4">
+                <p:oleObj spid="_x0000_s12548" name="Equation" r:id="rId7" imgW="2298600" imgH="444240" progId="Equation.DSMT4">
                   <p:embed/>
                 </p:oleObj>
               </mc:Choice>
@@ -18094,7 +18274,7 @@
           <a:graphicData uri="http://schemas.openxmlformats.org/presentationml/2006/ole">
             <mc:AlternateContent xmlns:mc="http://schemas.openxmlformats.org/markup-compatibility/2006">
               <mc:Choice xmlns:v="urn:schemas-microsoft-com:vml" Requires="v">
-                <p:oleObj spid="_x0000_s12509" name="Equation" r:id="rId9" imgW="2273040" imgH="444240" progId="Equation.DSMT4">
+                <p:oleObj spid="_x0000_s12549" name="Equation" r:id="rId9" imgW="2273040" imgH="444240" progId="Equation.DSMT4">
                   <p:embed/>
                 </p:oleObj>
               </mc:Choice>

--- a/файлы/презентация/Курсовая_лето_2021_Снетков.pptx
+++ b/файлы/презентация/Курсовая_лето_2021_Снетков.pptx
@@ -219,7 +219,7 @@
           <a:p>
             <a:fld id="{BB53E99D-1466-481C-BDEE-FBBCFF6B504B}" type="datetimeFigureOut">
               <a:rPr lang="ru-RU" smtClean="0"/>
-              <a:t>22.05.2022</a:t>
+              <a:t>23.05.2022</a:t>
             </a:fld>
             <a:endParaRPr lang="ru-RU"/>
           </a:p>
@@ -531,361 +531,7 @@
           <a:bodyPr/>
           <a:lstStyle/>
           <a:p>
-            <a:r>
-              <a:rPr lang="ru-RU" sz="1200" kern="1200" dirty="0" smtClean="0">
-                <a:solidFill>
-                  <a:schemeClr val="tx1"/>
-                </a:solidFill>
-                <a:effectLst/>
-                <a:latin typeface="+mn-lt"/>
-                <a:ea typeface="+mn-ea"/>
-                <a:cs typeface="+mn-cs"/>
-              </a:rPr>
-              <a:t>Стержневые </a:t>
-            </a:r>
-            <a:r>
-              <a:rPr lang="ru-RU" sz="1200" kern="1200" dirty="0" smtClean="0">
-                <a:solidFill>
-                  <a:schemeClr val="tx1"/>
-                </a:solidFill>
-                <a:effectLst/>
-                <a:latin typeface="+mn-lt"/>
-                <a:ea typeface="+mn-ea"/>
-                <a:cs typeface="+mn-cs"/>
-              </a:rPr>
-              <a:t>элементы являются составляющими многих строительных и инженерных конструкций. Одними</a:t>
-            </a:r>
-            <a:r>
-              <a:rPr lang="ru-RU" sz="1200" kern="1200" baseline="0" dirty="0" smtClean="0">
-                <a:solidFill>
-                  <a:schemeClr val="tx1"/>
-                </a:solidFill>
-                <a:effectLst/>
-                <a:latin typeface="+mn-lt"/>
-                <a:ea typeface="+mn-ea"/>
-                <a:cs typeface="+mn-cs"/>
-              </a:rPr>
-              <a:t> их таких элементов могут являются сваи</a:t>
-            </a:r>
-            <a:r>
-              <a:rPr lang="ru-RU" sz="1200" kern="1200" baseline="0" dirty="0" smtClean="0">
-                <a:solidFill>
-                  <a:schemeClr val="tx1"/>
-                </a:solidFill>
-                <a:effectLst/>
-                <a:latin typeface="+mn-lt"/>
-                <a:ea typeface="+mn-ea"/>
-                <a:cs typeface="+mn-cs"/>
-              </a:rPr>
-              <a:t>. </a:t>
-            </a:r>
-          </a:p>
-          <a:p>
-            <a:r>
-              <a:rPr lang="ru-RU" sz="1200" kern="1200" baseline="0" dirty="0" smtClean="0">
-                <a:solidFill>
-                  <a:schemeClr val="tx1"/>
-                </a:solidFill>
-                <a:effectLst/>
-                <a:latin typeface="+mn-lt"/>
-                <a:ea typeface="+mn-ea"/>
-                <a:cs typeface="+mn-cs"/>
-              </a:rPr>
-              <a:t>Так же 	</a:t>
-            </a:r>
-            <a:endParaRPr lang="ru-RU" sz="1200" kern="1200" baseline="0" dirty="0" smtClean="0">
-              <a:solidFill>
-                <a:schemeClr val="tx1"/>
-              </a:solidFill>
-              <a:effectLst/>
-              <a:latin typeface="+mn-lt"/>
-              <a:ea typeface="+mn-ea"/>
-              <a:cs typeface="+mn-cs"/>
-            </a:endParaRPr>
-          </a:p>
-          <a:p>
-            <a:r>
-              <a:rPr lang="ru-RU" sz="1200" kern="1200" dirty="0" smtClean="0">
-                <a:solidFill>
-                  <a:schemeClr val="tx1"/>
-                </a:solidFill>
-                <a:effectLst/>
-                <a:latin typeface="+mn-lt"/>
-                <a:ea typeface="+mn-ea"/>
-                <a:cs typeface="+mn-cs"/>
-              </a:rPr>
-              <a:t>	При расчётах стержневых конструкций, которые нередко подвергаются внешнему воздействию, следует уделять внимание определению опасных режимов их эксплуатации таких</a:t>
-            </a:r>
-            <a:r>
-              <a:rPr lang="ru-RU" sz="1200" kern="1200" baseline="0" dirty="0" smtClean="0">
-                <a:solidFill>
-                  <a:schemeClr val="tx1"/>
-                </a:solidFill>
-                <a:effectLst/>
-                <a:latin typeface="+mn-lt"/>
-                <a:ea typeface="+mn-ea"/>
-                <a:cs typeface="+mn-cs"/>
-              </a:rPr>
-              <a:t> как </a:t>
-            </a:r>
-            <a:r>
-              <a:rPr lang="ru-RU" sz="1200" kern="1200" dirty="0" smtClean="0">
-                <a:solidFill>
-                  <a:schemeClr val="tx1"/>
-                </a:solidFill>
-                <a:effectLst/>
-                <a:latin typeface="+mn-lt"/>
-                <a:ea typeface="+mn-ea"/>
-                <a:cs typeface="+mn-cs"/>
-              </a:rPr>
-              <a:t>резонансные частоты</a:t>
-            </a:r>
-            <a:r>
-              <a:rPr lang="ru-RU" sz="1200" kern="1200" baseline="0" dirty="0" smtClean="0">
-                <a:solidFill>
-                  <a:schemeClr val="tx1"/>
-                </a:solidFill>
-                <a:effectLst/>
-                <a:latin typeface="+mn-lt"/>
-                <a:ea typeface="+mn-ea"/>
-                <a:cs typeface="+mn-cs"/>
-              </a:rPr>
-              <a:t> и</a:t>
-            </a:r>
-            <a:r>
-              <a:rPr lang="ru-RU" sz="1200" kern="1200" dirty="0" smtClean="0">
-                <a:solidFill>
-                  <a:schemeClr val="tx1"/>
-                </a:solidFill>
-                <a:effectLst/>
-                <a:latin typeface="+mn-lt"/>
-                <a:ea typeface="+mn-ea"/>
-                <a:cs typeface="+mn-cs"/>
-              </a:rPr>
-              <a:t> пиковые</a:t>
-            </a:r>
-            <a:r>
-              <a:rPr lang="ru-RU" sz="1200" kern="1200" baseline="0" dirty="0" smtClean="0">
-                <a:solidFill>
-                  <a:schemeClr val="tx1"/>
-                </a:solidFill>
-                <a:effectLst/>
-                <a:latin typeface="+mn-lt"/>
-                <a:ea typeface="+mn-ea"/>
-                <a:cs typeface="+mn-cs"/>
-              </a:rPr>
-              <a:t> </a:t>
-            </a:r>
-            <a:r>
-              <a:rPr lang="ru-RU" sz="1200" kern="1200" dirty="0" smtClean="0">
-                <a:solidFill>
-                  <a:schemeClr val="tx1"/>
-                </a:solidFill>
-                <a:effectLst/>
-                <a:latin typeface="+mn-lt"/>
-                <a:ea typeface="+mn-ea"/>
-                <a:cs typeface="+mn-cs"/>
-              </a:rPr>
-              <a:t>амплитуды.</a:t>
-            </a:r>
-            <a:endParaRPr lang="ru-RU" sz="1200" kern="1200" baseline="0" dirty="0" smtClean="0">
-              <a:solidFill>
-                <a:schemeClr val="tx1"/>
-              </a:solidFill>
-              <a:effectLst/>
-              <a:latin typeface="+mn-lt"/>
-              <a:ea typeface="+mn-ea"/>
-              <a:cs typeface="+mn-cs"/>
-            </a:endParaRPr>
-          </a:p>
-          <a:p>
-            <a:r>
-              <a:rPr lang="ru-RU" sz="1200" kern="1200" dirty="0" smtClean="0">
-                <a:solidFill>
-                  <a:schemeClr val="tx1"/>
-                </a:solidFill>
-                <a:effectLst/>
-                <a:latin typeface="+mn-lt"/>
-                <a:ea typeface="+mn-ea"/>
-                <a:cs typeface="+mn-cs"/>
-              </a:rPr>
-              <a:t>	Работа посвящена исследованию процесса установившихся с заданной частотой колебаний стержневых конструктивных элементов, моделируемых стержнем конечных размеров</a:t>
-            </a:r>
-            <a:r>
-              <a:rPr lang="ru-RU" sz="1200" kern="1200" dirty="0" smtClean="0">
-                <a:solidFill>
-                  <a:schemeClr val="tx1"/>
-                </a:solidFill>
-                <a:effectLst/>
-                <a:latin typeface="+mn-lt"/>
-                <a:ea typeface="+mn-ea"/>
-                <a:cs typeface="+mn-cs"/>
-              </a:rPr>
-              <a:t>.</a:t>
-            </a:r>
-          </a:p>
-          <a:p>
-            <a:endParaRPr lang="ru-RU" sz="1200" kern="1200" dirty="0" smtClean="0">
-              <a:solidFill>
-                <a:schemeClr val="tx1"/>
-              </a:solidFill>
-              <a:effectLst/>
-              <a:latin typeface="+mn-lt"/>
-              <a:ea typeface="+mn-ea"/>
-              <a:cs typeface="+mn-cs"/>
-            </a:endParaRPr>
-          </a:p>
-          <a:p>
-            <a:endParaRPr lang="ru-RU" sz="1200" kern="1200" dirty="0" smtClean="0">
-              <a:solidFill>
-                <a:schemeClr val="tx1"/>
-              </a:solidFill>
-              <a:effectLst/>
-              <a:latin typeface="+mn-lt"/>
-              <a:ea typeface="+mn-ea"/>
-              <a:cs typeface="+mn-cs"/>
-            </a:endParaRPr>
-          </a:p>
-          <a:p>
-            <a:endParaRPr lang="ru-RU" sz="1200" kern="1200" dirty="0" smtClean="0">
-              <a:solidFill>
-                <a:schemeClr val="tx1"/>
-              </a:solidFill>
-              <a:effectLst/>
-              <a:latin typeface="+mn-lt"/>
-              <a:ea typeface="+mn-ea"/>
-              <a:cs typeface="+mn-cs"/>
-            </a:endParaRPr>
-          </a:p>
-          <a:p>
-            <a:endParaRPr lang="ru-RU" sz="1200" kern="1200" dirty="0" smtClean="0">
-              <a:solidFill>
-                <a:schemeClr val="tx1"/>
-              </a:solidFill>
-              <a:effectLst/>
-              <a:latin typeface="+mn-lt"/>
-              <a:ea typeface="+mn-ea"/>
-              <a:cs typeface="+mn-cs"/>
-            </a:endParaRPr>
-          </a:p>
-          <a:p>
-            <a:endParaRPr lang="ru-RU" sz="1200" kern="1200" dirty="0" smtClean="0">
-              <a:solidFill>
-                <a:schemeClr val="tx1"/>
-              </a:solidFill>
-              <a:effectLst/>
-              <a:latin typeface="+mn-lt"/>
-              <a:ea typeface="+mn-ea"/>
-              <a:cs typeface="+mn-cs"/>
-            </a:endParaRPr>
-          </a:p>
-          <a:p>
-            <a:endParaRPr lang="ru-RU" sz="1200" kern="1200" dirty="0" smtClean="0">
-              <a:solidFill>
-                <a:schemeClr val="tx1"/>
-              </a:solidFill>
-              <a:effectLst/>
-              <a:latin typeface="+mn-lt"/>
-              <a:ea typeface="+mn-ea"/>
-              <a:cs typeface="+mn-cs"/>
-            </a:endParaRPr>
-          </a:p>
-          <a:p>
-            <a:r>
-              <a:rPr lang="ru-RU" sz="1200" kern="1200" dirty="0" smtClean="0">
-                <a:solidFill>
-                  <a:schemeClr val="tx1"/>
-                </a:solidFill>
-                <a:effectLst/>
-                <a:latin typeface="+mn-lt"/>
-                <a:ea typeface="+mn-ea"/>
-                <a:cs typeface="+mn-cs"/>
-              </a:rPr>
-              <a:t>Стержневые элементы повсеместно</a:t>
-            </a:r>
-            <a:r>
-              <a:rPr lang="ru-RU" sz="1200" kern="1200" baseline="0" dirty="0" smtClean="0">
-                <a:solidFill>
-                  <a:schemeClr val="tx1"/>
-                </a:solidFill>
-                <a:effectLst/>
-                <a:latin typeface="+mn-lt"/>
-                <a:ea typeface="+mn-ea"/>
-                <a:cs typeface="+mn-cs"/>
-              </a:rPr>
-              <a:t> применяются во всех сферах которые нас окружают. промышленности, </a:t>
-            </a:r>
-            <a:r>
-              <a:rPr lang="ru-RU" sz="1200" kern="1200" baseline="0" dirty="0" err="1" smtClean="0">
-                <a:solidFill>
-                  <a:schemeClr val="tx1"/>
-                </a:solidFill>
-                <a:effectLst/>
-                <a:latin typeface="+mn-lt"/>
-                <a:ea typeface="+mn-ea"/>
-                <a:cs typeface="+mn-cs"/>
-              </a:rPr>
-              <a:t>сттроительст</a:t>
-            </a:r>
-            <a:endParaRPr lang="ru-RU" sz="1200" kern="1200" dirty="0" smtClean="0">
-              <a:solidFill>
-                <a:schemeClr val="tx1"/>
-              </a:solidFill>
-              <a:effectLst/>
-              <a:latin typeface="+mn-lt"/>
-              <a:ea typeface="+mn-ea"/>
-              <a:cs typeface="+mn-cs"/>
-            </a:endParaRPr>
-          </a:p>
-          <a:p>
-            <a:endParaRPr lang="ru-RU" sz="1200" kern="1200" dirty="0" smtClean="0">
-              <a:solidFill>
-                <a:schemeClr val="tx1"/>
-              </a:solidFill>
-              <a:effectLst/>
-              <a:latin typeface="+mn-lt"/>
-              <a:ea typeface="+mn-ea"/>
-              <a:cs typeface="+mn-cs"/>
-            </a:endParaRPr>
-          </a:p>
-          <a:p>
-            <a:pPr marL="0" marR="0" indent="0" algn="l" defTabSz="914400" rtl="0" eaLnBrk="1" fontAlgn="auto" latinLnBrk="0" hangingPunct="1">
-              <a:lnSpc>
-                <a:spcPct val="100000"/>
-              </a:lnSpc>
-              <a:spcBef>
-                <a:spcPts val="0"/>
-              </a:spcBef>
-              <a:spcAft>
-                <a:spcPts val="0"/>
-              </a:spcAft>
-              <a:buClrTx/>
-              <a:buSzTx/>
-              <a:buFontTx/>
-              <a:buNone/>
-              <a:tabLst/>
-              <a:defRPr/>
-            </a:pPr>
-            <a:endParaRPr lang="ru-RU" sz="1200" kern="1200" dirty="0" smtClean="0">
-              <a:solidFill>
-                <a:schemeClr val="bg1"/>
-              </a:solidFill>
-              <a:effectLst/>
-              <a:latin typeface="+mn-lt"/>
-              <a:ea typeface="+mn-ea"/>
-              <a:cs typeface="+mn-cs"/>
-            </a:endParaRPr>
-          </a:p>
-          <a:p>
-            <a:endParaRPr lang="ru-RU" sz="1200" kern="1200" dirty="0" smtClean="0">
-              <a:solidFill>
-                <a:schemeClr val="tx1"/>
-              </a:solidFill>
-              <a:effectLst/>
-              <a:latin typeface="+mn-lt"/>
-              <a:ea typeface="+mn-ea"/>
-              <a:cs typeface="+mn-cs"/>
-            </a:endParaRPr>
+            <a:endParaRPr lang="ru-RU" dirty="0"/>
           </a:p>
         </p:txBody>
       </p:sp>
@@ -906,6 +552,538 @@
           <a:p>
             <a:fld id="{CAE4845F-1871-4586-9DE7-D6CB3B74C965}" type="slidenum">
               <a:rPr lang="ru-RU" smtClean="0"/>
+              <a:t>1</a:t>
+            </a:fld>
+            <a:endParaRPr lang="ru-RU"/>
+          </a:p>
+        </p:txBody>
+      </p:sp>
+    </p:spTree>
+    <p:extLst>
+      <p:ext uri="{BB962C8B-B14F-4D97-AF65-F5344CB8AC3E}">
+        <p14:creationId xmlns:p14="http://schemas.microsoft.com/office/powerpoint/2010/main" val="1346729106"/>
+      </p:ext>
+    </p:extLst>
+  </p:cSld>
+  <p:clrMapOvr>
+    <a:masterClrMapping/>
+  </p:clrMapOvr>
+</p:notes>
+</file>
+
+<file path=ppt/notesSlides/notesSlide10.xml><?xml version="1.0" encoding="utf-8"?>
+<p:notes xmlns:a="http://schemas.openxmlformats.org/drawingml/2006/main" xmlns:r="http://schemas.openxmlformats.org/officeDocument/2006/relationships" xmlns:p="http://schemas.openxmlformats.org/presentationml/2006/main">
+  <p:cSld>
+    <p:spTree>
+      <p:nvGrpSpPr>
+        <p:cNvPr id="1" name=""/>
+        <p:cNvGrpSpPr/>
+        <p:nvPr/>
+      </p:nvGrpSpPr>
+      <p:grpSpPr>
+        <a:xfrm>
+          <a:off x="0" y="0"/>
+          <a:ext cx="0" cy="0"/>
+          <a:chOff x="0" y="0"/>
+          <a:chExt cx="0" cy="0"/>
+        </a:xfrm>
+      </p:grpSpPr>
+      <p:sp>
+        <p:nvSpPr>
+          <p:cNvPr id="2" name="Образ слайда 1"/>
+          <p:cNvSpPr>
+            <a:spLocks noGrp="1" noRot="1" noChangeAspect="1"/>
+          </p:cNvSpPr>
+          <p:nvPr>
+            <p:ph type="sldImg"/>
+          </p:nvPr>
+        </p:nvSpPr>
+        <p:spPr/>
+      </p:sp>
+      <p:sp>
+        <p:nvSpPr>
+          <p:cNvPr id="3" name="Заметки 2"/>
+          <p:cNvSpPr>
+            <a:spLocks noGrp="1"/>
+          </p:cNvSpPr>
+          <p:nvPr>
+            <p:ph type="body" idx="1"/>
+          </p:nvPr>
+        </p:nvSpPr>
+        <p:spPr/>
+        <p:txBody>
+          <a:bodyPr/>
+          <a:lstStyle/>
+          <a:p>
+            <a:pPr marL="0" marR="0" indent="0" algn="l" defTabSz="914400" rtl="0" eaLnBrk="1" fontAlgn="auto" latinLnBrk="0" hangingPunct="1">
+              <a:lnSpc>
+                <a:spcPct val="100000"/>
+              </a:lnSpc>
+              <a:spcBef>
+                <a:spcPts val="0"/>
+              </a:spcBef>
+              <a:spcAft>
+                <a:spcPts val="0"/>
+              </a:spcAft>
+              <a:buClrTx/>
+              <a:buSzTx/>
+              <a:buFontTx/>
+              <a:buNone/>
+              <a:tabLst/>
+              <a:defRPr/>
+            </a:pPr>
+            <a:r>
+              <a:rPr lang="ru-RU" dirty="0" smtClean="0"/>
+              <a:t>Рисунок</a:t>
+            </a:r>
+            <a:r>
+              <a:rPr lang="ru-RU" baseline="0" dirty="0" smtClean="0"/>
+              <a:t> 4 и 5 отображают результат работы программы.</a:t>
+            </a:r>
+          </a:p>
+          <a:p>
+            <a:pPr marL="0" marR="0" indent="0" algn="l" defTabSz="914400" rtl="0" eaLnBrk="1" fontAlgn="auto" latinLnBrk="0" hangingPunct="1">
+              <a:lnSpc>
+                <a:spcPct val="100000"/>
+              </a:lnSpc>
+              <a:spcBef>
+                <a:spcPts val="0"/>
+              </a:spcBef>
+              <a:spcAft>
+                <a:spcPts val="0"/>
+              </a:spcAft>
+              <a:buClrTx/>
+              <a:buSzTx/>
+              <a:buFontTx/>
+              <a:buNone/>
+              <a:tabLst/>
+              <a:defRPr/>
+            </a:pPr>
+            <a:r>
+              <a:rPr lang="ru-RU" baseline="0" dirty="0" smtClean="0"/>
+              <a:t>Все р</a:t>
+            </a:r>
+            <a:r>
+              <a:rPr lang="ru-RU" sz="1200" kern="1200" dirty="0" smtClean="0">
+                <a:solidFill>
+                  <a:schemeClr val="tx1"/>
+                </a:solidFill>
+                <a:effectLst/>
+                <a:latin typeface="+mn-lt"/>
+                <a:ea typeface="+mn-ea"/>
+                <a:cs typeface="+mn-cs"/>
+              </a:rPr>
+              <a:t>асчеты проводились</a:t>
+            </a:r>
+            <a:r>
+              <a:rPr lang="ru-RU" sz="1200" kern="1200" baseline="0" dirty="0" smtClean="0">
+                <a:solidFill>
+                  <a:schemeClr val="tx1"/>
+                </a:solidFill>
+                <a:effectLst/>
+                <a:latin typeface="+mn-lt"/>
+                <a:ea typeface="+mn-ea"/>
+                <a:cs typeface="+mn-cs"/>
+              </a:rPr>
+              <a:t> для модельных безразмерных параметров.</a:t>
+            </a:r>
+            <a:r>
+              <a:rPr lang="ru-RU" sz="1200" kern="1200" dirty="0" smtClean="0">
+                <a:solidFill>
+                  <a:schemeClr val="tx1"/>
+                </a:solidFill>
+                <a:effectLst/>
+                <a:latin typeface="+mn-lt"/>
+                <a:ea typeface="+mn-ea"/>
+                <a:cs typeface="+mn-cs"/>
+              </a:rPr>
+              <a:t> </a:t>
+            </a:r>
+            <a:endParaRPr lang="ru-RU" dirty="0" smtClean="0"/>
+          </a:p>
+          <a:p>
+            <a:endParaRPr lang="ru-RU" dirty="0"/>
+          </a:p>
+        </p:txBody>
+      </p:sp>
+      <p:sp>
+        <p:nvSpPr>
+          <p:cNvPr id="4" name="Номер слайда 3"/>
+          <p:cNvSpPr>
+            <a:spLocks noGrp="1"/>
+          </p:cNvSpPr>
+          <p:nvPr>
+            <p:ph type="sldNum" sz="quarter" idx="10"/>
+          </p:nvPr>
+        </p:nvSpPr>
+        <p:spPr/>
+        <p:txBody>
+          <a:bodyPr/>
+          <a:lstStyle/>
+          <a:p>
+            <a:pPr marL="0" marR="0" lvl="0" indent="0" algn="r" defTabSz="457200" rtl="0" eaLnBrk="1" fontAlgn="auto" latinLnBrk="0" hangingPunct="1">
+              <a:lnSpc>
+                <a:spcPct val="100000"/>
+              </a:lnSpc>
+              <a:spcBef>
+                <a:spcPts val="0"/>
+              </a:spcBef>
+              <a:spcAft>
+                <a:spcPts val="0"/>
+              </a:spcAft>
+              <a:buClrTx/>
+              <a:buSzTx/>
+              <a:buFontTx/>
+              <a:buNone/>
+              <a:tabLst/>
+              <a:defRPr/>
+            </a:pPr>
+            <a:fld id="{112C4D7C-9D89-4F49-9081-09888D40BD1E}" type="slidenum">
+              <a:rPr kumimoji="0" lang="ru-RU" sz="1200" b="0" i="0" u="none" strike="noStrike" kern="1200" cap="none" spc="0" normalizeH="0" baseline="0" noProof="0" smtClean="0">
+                <a:ln>
+                  <a:noFill/>
+                </a:ln>
+                <a:solidFill>
+                  <a:prstClr val="black"/>
+                </a:solidFill>
+                <a:effectLst/>
+                <a:uLnTx/>
+                <a:uFillTx/>
+                <a:latin typeface="Calibri"/>
+                <a:ea typeface="+mn-ea"/>
+                <a:cs typeface="+mn-cs"/>
+              </a:rPr>
+              <a:pPr marL="0" marR="0" lvl="0" indent="0" algn="r" defTabSz="457200" rtl="0" eaLnBrk="1" fontAlgn="auto" latinLnBrk="0" hangingPunct="1">
+                <a:lnSpc>
+                  <a:spcPct val="100000"/>
+                </a:lnSpc>
+                <a:spcBef>
+                  <a:spcPts val="0"/>
+                </a:spcBef>
+                <a:spcAft>
+                  <a:spcPts val="0"/>
+                </a:spcAft>
+                <a:buClrTx/>
+                <a:buSzTx/>
+                <a:buFontTx/>
+                <a:buNone/>
+                <a:tabLst/>
+                <a:defRPr/>
+              </a:pPr>
+              <a:t>10</a:t>
+            </a:fld>
+            <a:endParaRPr kumimoji="0" lang="ru-RU" sz="1200" b="0" i="0" u="none" strike="noStrike" kern="1200" cap="none" spc="0" normalizeH="0" baseline="0" noProof="0">
+              <a:ln>
+                <a:noFill/>
+              </a:ln>
+              <a:solidFill>
+                <a:prstClr val="black"/>
+              </a:solidFill>
+              <a:effectLst/>
+              <a:uLnTx/>
+              <a:uFillTx/>
+              <a:latin typeface="Calibri"/>
+              <a:ea typeface="+mn-ea"/>
+              <a:cs typeface="+mn-cs"/>
+            </a:endParaRPr>
+          </a:p>
+        </p:txBody>
+      </p:sp>
+    </p:spTree>
+    <p:extLst>
+      <p:ext uri="{BB962C8B-B14F-4D97-AF65-F5344CB8AC3E}">
+        <p14:creationId xmlns:p14="http://schemas.microsoft.com/office/powerpoint/2010/main" val="3633844123"/>
+      </p:ext>
+    </p:extLst>
+  </p:cSld>
+  <p:clrMapOvr>
+    <a:masterClrMapping/>
+  </p:clrMapOvr>
+</p:notes>
+</file>
+
+<file path=ppt/notesSlides/notesSlide2.xml><?xml version="1.0" encoding="utf-8"?>
+<p:notes xmlns:a="http://schemas.openxmlformats.org/drawingml/2006/main" xmlns:r="http://schemas.openxmlformats.org/officeDocument/2006/relationships" xmlns:p="http://schemas.openxmlformats.org/presentationml/2006/main">
+  <p:cSld>
+    <p:spTree>
+      <p:nvGrpSpPr>
+        <p:cNvPr id="1" name=""/>
+        <p:cNvGrpSpPr/>
+        <p:nvPr/>
+      </p:nvGrpSpPr>
+      <p:grpSpPr>
+        <a:xfrm>
+          <a:off x="0" y="0"/>
+          <a:ext cx="0" cy="0"/>
+          <a:chOff x="0" y="0"/>
+          <a:chExt cx="0" cy="0"/>
+        </a:xfrm>
+      </p:grpSpPr>
+      <p:sp>
+        <p:nvSpPr>
+          <p:cNvPr id="2" name="Образ слайда 1"/>
+          <p:cNvSpPr>
+            <a:spLocks noGrp="1" noRot="1" noChangeAspect="1"/>
+          </p:cNvSpPr>
+          <p:nvPr>
+            <p:ph type="sldImg"/>
+          </p:nvPr>
+        </p:nvSpPr>
+        <p:spPr/>
+      </p:sp>
+      <p:sp>
+        <p:nvSpPr>
+          <p:cNvPr id="3" name="Заметки 2"/>
+          <p:cNvSpPr>
+            <a:spLocks noGrp="1"/>
+          </p:cNvSpPr>
+          <p:nvPr>
+            <p:ph type="body" idx="1"/>
+          </p:nvPr>
+        </p:nvSpPr>
+        <p:spPr/>
+        <p:txBody>
+          <a:bodyPr/>
+          <a:lstStyle/>
+          <a:p>
+            <a:r>
+              <a:rPr lang="ru-RU" sz="1200" kern="1200" dirty="0" smtClean="0">
+                <a:solidFill>
+                  <a:schemeClr val="tx1"/>
+                </a:solidFill>
+                <a:effectLst/>
+                <a:latin typeface="+mn-lt"/>
+                <a:ea typeface="+mn-ea"/>
+                <a:cs typeface="+mn-cs"/>
+              </a:rPr>
+              <a:t>	Стержневые элементы повсеместно</a:t>
+            </a:r>
+            <a:r>
+              <a:rPr lang="ru-RU" sz="1200" kern="1200" baseline="0" dirty="0" smtClean="0">
+                <a:solidFill>
+                  <a:schemeClr val="tx1"/>
+                </a:solidFill>
+                <a:effectLst/>
+                <a:latin typeface="+mn-lt"/>
+                <a:ea typeface="+mn-ea"/>
+                <a:cs typeface="+mn-cs"/>
+              </a:rPr>
+              <a:t> применяются во всех сферах жизни, которые нас окружают. Например в промышленности, строительстве, автостроение и </a:t>
+            </a:r>
+            <a:r>
+              <a:rPr lang="ru-RU" sz="1200" kern="1200" baseline="0" dirty="0" err="1" smtClean="0">
+                <a:solidFill>
+                  <a:schemeClr val="tx1"/>
+                </a:solidFill>
+                <a:effectLst/>
+                <a:latin typeface="+mn-lt"/>
+                <a:ea typeface="+mn-ea"/>
+                <a:cs typeface="+mn-cs"/>
+              </a:rPr>
+              <a:t>тд</a:t>
+            </a:r>
+            <a:r>
+              <a:rPr lang="ru-RU" sz="1200" kern="1200" baseline="0" dirty="0" smtClean="0">
+                <a:solidFill>
+                  <a:schemeClr val="tx1"/>
+                </a:solidFill>
+                <a:effectLst/>
+                <a:latin typeface="+mn-lt"/>
+                <a:ea typeface="+mn-ea"/>
+                <a:cs typeface="+mn-cs"/>
+              </a:rPr>
+              <a:t>. Любые сваи, привода в машинах или станках являются стержневым элементом.</a:t>
+            </a:r>
+          </a:p>
+          <a:p>
+            <a:r>
+              <a:rPr lang="ru-RU" sz="1200" kern="1200" dirty="0" smtClean="0">
+                <a:solidFill>
+                  <a:schemeClr val="tx1"/>
+                </a:solidFill>
+                <a:effectLst/>
+                <a:latin typeface="+mn-lt"/>
+                <a:ea typeface="+mn-ea"/>
+                <a:cs typeface="+mn-cs"/>
+              </a:rPr>
+              <a:t>	При расчётах стержневых конструкций, которые нередко подвергаются внешнему воздействию, следует уделять внимание определению опасных режимов их эксплуатации таких</a:t>
+            </a:r>
+            <a:r>
+              <a:rPr lang="ru-RU" sz="1200" kern="1200" baseline="0" dirty="0" smtClean="0">
+                <a:solidFill>
+                  <a:schemeClr val="tx1"/>
+                </a:solidFill>
+                <a:effectLst/>
+                <a:latin typeface="+mn-lt"/>
+                <a:ea typeface="+mn-ea"/>
+                <a:cs typeface="+mn-cs"/>
+              </a:rPr>
+              <a:t> как </a:t>
+            </a:r>
+            <a:r>
+              <a:rPr lang="ru-RU" sz="1200" kern="1200" dirty="0" smtClean="0">
+                <a:solidFill>
+                  <a:schemeClr val="tx1"/>
+                </a:solidFill>
+                <a:effectLst/>
+                <a:latin typeface="+mn-lt"/>
+                <a:ea typeface="+mn-ea"/>
+                <a:cs typeface="+mn-cs"/>
+              </a:rPr>
+              <a:t>резонансные частоты</a:t>
+            </a:r>
+            <a:r>
+              <a:rPr lang="ru-RU" sz="1200" kern="1200" baseline="0" dirty="0" smtClean="0">
+                <a:solidFill>
+                  <a:schemeClr val="tx1"/>
+                </a:solidFill>
+                <a:effectLst/>
+                <a:latin typeface="+mn-lt"/>
+                <a:ea typeface="+mn-ea"/>
+                <a:cs typeface="+mn-cs"/>
+              </a:rPr>
+              <a:t> и</a:t>
+            </a:r>
+            <a:r>
+              <a:rPr lang="ru-RU" sz="1200" kern="1200" dirty="0" smtClean="0">
+                <a:solidFill>
+                  <a:schemeClr val="tx1"/>
+                </a:solidFill>
+                <a:effectLst/>
+                <a:latin typeface="+mn-lt"/>
+                <a:ea typeface="+mn-ea"/>
+                <a:cs typeface="+mn-cs"/>
+              </a:rPr>
+              <a:t> пиковые</a:t>
+            </a:r>
+            <a:r>
+              <a:rPr lang="ru-RU" sz="1200" kern="1200" baseline="0" dirty="0" smtClean="0">
+                <a:solidFill>
+                  <a:schemeClr val="tx1"/>
+                </a:solidFill>
+                <a:effectLst/>
+                <a:latin typeface="+mn-lt"/>
+                <a:ea typeface="+mn-ea"/>
+                <a:cs typeface="+mn-cs"/>
+              </a:rPr>
+              <a:t> </a:t>
+            </a:r>
+            <a:r>
+              <a:rPr lang="ru-RU" sz="1200" kern="1200" dirty="0" smtClean="0">
+                <a:solidFill>
+                  <a:schemeClr val="tx1"/>
+                </a:solidFill>
+                <a:effectLst/>
+                <a:latin typeface="+mn-lt"/>
+                <a:ea typeface="+mn-ea"/>
+                <a:cs typeface="+mn-cs"/>
+              </a:rPr>
+              <a:t>амплитуды.</a:t>
+            </a:r>
+            <a:endParaRPr lang="ru-RU" sz="1200" kern="1200" baseline="0" dirty="0" smtClean="0">
+              <a:solidFill>
+                <a:schemeClr val="tx1"/>
+              </a:solidFill>
+              <a:effectLst/>
+              <a:latin typeface="+mn-lt"/>
+              <a:ea typeface="+mn-ea"/>
+              <a:cs typeface="+mn-cs"/>
+            </a:endParaRPr>
+          </a:p>
+          <a:p>
+            <a:r>
+              <a:rPr lang="ru-RU" sz="1200" kern="1200" dirty="0" smtClean="0">
+                <a:solidFill>
+                  <a:schemeClr val="tx1"/>
+                </a:solidFill>
+                <a:effectLst/>
+                <a:latin typeface="+mn-lt"/>
+                <a:ea typeface="+mn-ea"/>
+                <a:cs typeface="+mn-cs"/>
+              </a:rPr>
+              <a:t>	Работа посвящена исследованию процесса установившихся с заданной частотой колебаний стержневых конструктивных элементов, моделируемых стержнем конечных размеров.</a:t>
+            </a:r>
+          </a:p>
+          <a:p>
+            <a:endParaRPr lang="ru-RU" sz="1200" kern="1200" dirty="0" smtClean="0">
+              <a:solidFill>
+                <a:schemeClr val="tx1"/>
+              </a:solidFill>
+              <a:effectLst/>
+              <a:latin typeface="+mn-lt"/>
+              <a:ea typeface="+mn-ea"/>
+              <a:cs typeface="+mn-cs"/>
+            </a:endParaRPr>
+          </a:p>
+          <a:p>
+            <a:endParaRPr lang="ru-RU" sz="1200" kern="1200" dirty="0" smtClean="0">
+              <a:solidFill>
+                <a:schemeClr val="tx1"/>
+              </a:solidFill>
+              <a:effectLst/>
+              <a:latin typeface="+mn-lt"/>
+              <a:ea typeface="+mn-ea"/>
+              <a:cs typeface="+mn-cs"/>
+            </a:endParaRPr>
+          </a:p>
+          <a:p>
+            <a:pPr marL="0" marR="0" indent="0" algn="l" defTabSz="914400" rtl="0" eaLnBrk="1" fontAlgn="auto" latinLnBrk="0" hangingPunct="1">
+              <a:lnSpc>
+                <a:spcPct val="100000"/>
+              </a:lnSpc>
+              <a:spcBef>
+                <a:spcPts val="0"/>
+              </a:spcBef>
+              <a:spcAft>
+                <a:spcPts val="0"/>
+              </a:spcAft>
+              <a:buClrTx/>
+              <a:buSzTx/>
+              <a:buFontTx/>
+              <a:buNone/>
+              <a:tabLst/>
+              <a:defRPr/>
+            </a:pPr>
+            <a:endParaRPr lang="ru-RU" sz="1200" kern="1200" dirty="0" smtClean="0">
+              <a:solidFill>
+                <a:schemeClr val="bg1"/>
+              </a:solidFill>
+              <a:effectLst/>
+              <a:latin typeface="+mn-lt"/>
+              <a:ea typeface="+mn-ea"/>
+              <a:cs typeface="+mn-cs"/>
+            </a:endParaRPr>
+          </a:p>
+          <a:p>
+            <a:endParaRPr lang="ru-RU" sz="1200" kern="1200" dirty="0" smtClean="0">
+              <a:solidFill>
+                <a:schemeClr val="tx1"/>
+              </a:solidFill>
+              <a:effectLst/>
+              <a:latin typeface="+mn-lt"/>
+              <a:ea typeface="+mn-ea"/>
+              <a:cs typeface="+mn-cs"/>
+            </a:endParaRPr>
+          </a:p>
+        </p:txBody>
+      </p:sp>
+      <p:sp>
+        <p:nvSpPr>
+          <p:cNvPr id="4" name="Номер слайда 3"/>
+          <p:cNvSpPr>
+            <a:spLocks noGrp="1"/>
+          </p:cNvSpPr>
+          <p:nvPr>
+            <p:ph type="sldNum" sz="quarter" idx="10"/>
+          </p:nvPr>
+        </p:nvSpPr>
+        <p:spPr/>
+        <p:txBody>
+          <a:bodyPr/>
+          <a:lstStyle/>
+          <a:p>
+            <a:fld id="{CAE4845F-1871-4586-9DE7-D6CB3B74C965}" type="slidenum">
+              <a:rPr lang="ru-RU" smtClean="0"/>
               <a:t>2</a:t>
             </a:fld>
             <a:endParaRPr lang="ru-RU"/>
@@ -925,7 +1103,7 @@
 </p:notes>
 </file>
 
-<file path=ppt/notesSlides/notesSlide2.xml><?xml version="1.0" encoding="utf-8"?>
+<file path=ppt/notesSlides/notesSlide3.xml><?xml version="1.0" encoding="utf-8"?>
 <p:notes xmlns:a="http://schemas.openxmlformats.org/drawingml/2006/main" xmlns:r="http://schemas.openxmlformats.org/officeDocument/2006/relationships" xmlns:p="http://schemas.openxmlformats.org/presentationml/2006/main">
   <p:cSld>
     <p:spTree>
@@ -1005,19 +1183,7 @@
                     <a:ea typeface="+mn-ea"/>
                     <a:cs typeface="+mn-cs"/>
                   </a:rPr>
-                  <a:t>колебаниях стержня конечных размеров.</a:t>
-                </a:r>
-                <a:r>
-                  <a:rPr lang="ru-RU" sz="1200" kern="1200" baseline="0" dirty="0" smtClean="0">
-                    <a:solidFill>
-                      <a:schemeClr val="tx1"/>
-                    </a:solidFill>
-                    <a:effectLst/>
-                    <a:latin typeface="+mn-lt"/>
-                    <a:ea typeface="+mn-ea"/>
-                    <a:cs typeface="+mn-cs"/>
-                  </a:rPr>
-                  <a:t> К</a:t>
+                  <a:t>колебаниях стержня конечных </a:t>
                 </a:r>
                 <a:r>
                   <a:rPr lang="ru-RU" sz="1200" kern="1200" dirty="0" smtClean="0">
@@ -1029,10 +1195,8 @@
                     <a:ea typeface="+mn-ea"/>
                     <a:cs typeface="+mn-cs"/>
                   </a:rPr>
-                  <a:t>онец стержня контактирует без трения с деформируемым основанием. В качестве последнего рассматривается упругая полоса с защемленной нижней гранью. Кроме того рассматривается вариант взаимодействия с основанием через абсолютно жесткий штамп. </a:t>
+                  <a:t>размеров.</a:t>
                 </a:r>
-              </a:p>
-              <a:p>
                 <a:endParaRPr lang="ru-RU" sz="1200" kern="1200" dirty="0" smtClean="0">
                   <a:solidFill>
                     <a:schemeClr val="tx1"/>
@@ -1542,8 +1706,74 @@
                     <a:ea typeface="+mn-ea"/>
                     <a:cs typeface="+mn-cs"/>
                   </a:rPr>
-                  <a:t>– время.</a:t>
+                  <a:t>– время</a:t>
                 </a:r>
+                <a:r>
+                  <a:rPr lang="ru-RU" sz="1200" kern="1200" dirty="0" smtClean="0">
+                    <a:solidFill>
+                      <a:schemeClr val="tx1"/>
+                    </a:solidFill>
+                    <a:effectLst/>
+                    <a:latin typeface="+mn-lt"/>
+                    <a:ea typeface="+mn-ea"/>
+                    <a:cs typeface="+mn-cs"/>
+                  </a:rPr>
+                  <a:t>.</a:t>
+                </a:r>
+              </a:p>
+              <a:p>
+                <a:pPr marL="0" marR="0" indent="0" algn="l" defTabSz="914400" rtl="0" eaLnBrk="1" fontAlgn="auto" latinLnBrk="0" hangingPunct="1">
+                  <a:lnSpc>
+                    <a:spcPct val="100000"/>
+                  </a:lnSpc>
+                  <a:spcBef>
+                    <a:spcPts val="0"/>
+                  </a:spcBef>
+                  <a:spcAft>
+                    <a:spcPts val="0"/>
+                  </a:spcAft>
+                  <a:buClrTx/>
+                  <a:buSzTx/>
+                  <a:buFontTx/>
+                  <a:buNone/>
+                  <a:tabLst/>
+                  <a:defRPr/>
+                </a:pPr>
+                <a:r>
+                  <a:rPr lang="ru-RU" sz="1200" kern="1200" baseline="0" dirty="0" smtClean="0">
+                    <a:solidFill>
+                      <a:schemeClr val="tx1"/>
+                    </a:solidFill>
+                    <a:effectLst/>
+                    <a:latin typeface="+mn-lt"/>
+                    <a:ea typeface="+mn-ea"/>
+                    <a:cs typeface="+mn-cs"/>
+                  </a:rPr>
+                  <a:t>К</a:t>
+                </a:r>
+                <a:r>
+                  <a:rPr lang="ru-RU" sz="1200" kern="1200" dirty="0" smtClean="0">
+                    <a:solidFill>
+                      <a:schemeClr val="tx1"/>
+                    </a:solidFill>
+                    <a:effectLst/>
+                    <a:latin typeface="+mn-lt"/>
+                    <a:ea typeface="+mn-ea"/>
+                    <a:cs typeface="+mn-cs"/>
+                  </a:rPr>
+                  <a:t>онец стержня контактирует без трения с деформируемым основанием. В качестве последнего рассматривается упругая полоса с защемленной нижней гранью. Кроме того рассматривается вариант взаимодействия с основанием через абсолютно жесткий штамп. </a:t>
+                </a:r>
+              </a:p>
+              <a:p>
+                <a:endParaRPr lang="ru-RU" sz="1200" kern="1200" dirty="0" smtClean="0">
+                  <a:solidFill>
+                    <a:schemeClr val="tx1"/>
+                  </a:solidFill>
+                  <a:effectLst/>
+                  <a:latin typeface="+mn-lt"/>
+                  <a:ea typeface="+mn-ea"/>
+                  <a:cs typeface="+mn-cs"/>
+                </a:endParaRPr>
               </a:p>
               <a:p>
                 <a:endParaRPr lang="en-US" sz="1200" kern="1200" dirty="0" smtClean="0">
@@ -1849,8 +2079,12 @@
                 </a:r>
               </a:p>
               <a:p>
+                <a:pPr marL="171450" indent="-171450">
+                  <a:buFont typeface="Symbol" panose="05050102010706020507" pitchFamily="18" charset="2"/>
+                  <a:buChar char="h"/>
+                </a:pPr>
                 <a:r>
-                  <a:rPr lang="ru-RU" sz="1200" i="1" kern="1200" dirty="0" smtClean="0">
+                  <a:rPr lang="ru-RU" sz="1200" kern="1200" dirty="0" smtClean="0">
                     <a:solidFill>
                       <a:schemeClr val="tx1"/>
                     </a:solidFill>
@@ -1858,9 +2092,8 @@
                     <a:latin typeface="+mn-lt"/>
                     <a:ea typeface="+mn-ea"/>
                     <a:cs typeface="+mn-cs"/>
-                    <a:sym typeface="Symbol" panose="05050102010706020507" pitchFamily="18" charset="2"/>
                   </a:rPr>
-                  <a:t></a:t>
+                  <a:t>– </a:t>
                 </a:r>
                 <a:r>
                   <a:rPr lang="ru-RU" sz="1200" kern="1200" dirty="0" smtClean="0">
@@ -1872,8 +2105,71 @@
                     <a:ea typeface="+mn-ea"/>
                     <a:cs typeface="+mn-cs"/>
                   </a:rPr>
-                  <a:t> – упругий коэффициент распределенной опоры.</a:t>
+                  <a:t>упругий коэффициент распределенной </a:t>
                 </a:r>
+                <a:r>
+                  <a:rPr lang="ru-RU" sz="1200" kern="1200" dirty="0" smtClean="0">
+                    <a:solidFill>
+                      <a:schemeClr val="tx1"/>
+                    </a:solidFill>
+                    <a:effectLst/>
+                    <a:latin typeface="+mn-lt"/>
+                    <a:ea typeface="+mn-ea"/>
+                    <a:cs typeface="+mn-cs"/>
+                  </a:rPr>
+                  <a:t>опоры</a:t>
+                </a:r>
+              </a:p>
+              <a:p>
+                <a:pPr marL="0" indent="0">
+                  <a:buFont typeface="Symbol" panose="05050102010706020507" pitchFamily="18" charset="2"/>
+                  <a:buNone/>
+                </a:pPr>
+                <a:r>
+                  <a:rPr lang="en-US" sz="1200" kern="1200" baseline="0" dirty="0" smtClean="0">
+                    <a:solidFill>
+                      <a:schemeClr val="tx1"/>
+                    </a:solidFill>
+                    <a:effectLst/>
+                    <a:latin typeface="+mn-lt"/>
+                    <a:ea typeface="+mn-ea"/>
+                    <a:cs typeface="+mn-cs"/>
+                  </a:rPr>
+                  <a:t>b</a:t>
+                </a:r>
+                <a:r>
+                  <a:rPr lang="ru-RU" sz="1200" kern="1200" baseline="0" dirty="0" smtClean="0">
+                    <a:solidFill>
+                      <a:schemeClr val="tx1"/>
+                    </a:solidFill>
+                    <a:effectLst/>
+                    <a:latin typeface="+mn-lt"/>
+                    <a:ea typeface="+mn-ea"/>
+                    <a:cs typeface="+mn-cs"/>
+                  </a:rPr>
+                  <a:t> – рассеивание энергии </a:t>
+                </a:r>
+                <a:r>
+                  <a:rPr lang="ru-RU" sz="1200" kern="1200" dirty="0" smtClean="0">
+                    <a:solidFill>
+                      <a:schemeClr val="tx1"/>
+                    </a:solidFill>
+                    <a:effectLst/>
+                    <a:latin typeface="+mn-lt"/>
+                    <a:ea typeface="+mn-ea"/>
+                    <a:cs typeface="+mn-cs"/>
+                  </a:rPr>
+                  <a:t>.</a:t>
+                </a:r>
+                <a:endParaRPr lang="ru-RU" sz="1200" kern="1200" dirty="0" smtClean="0">
+                  <a:solidFill>
+                    <a:schemeClr val="tx1"/>
+                  </a:solidFill>
+                  <a:effectLst/>
+                  <a:latin typeface="+mn-lt"/>
+                  <a:ea typeface="+mn-ea"/>
+                  <a:cs typeface="+mn-cs"/>
+                </a:endParaRPr>
               </a:p>
               <a:p>
                 <a:endParaRPr lang="ru-RU" dirty="0" smtClean="0"/>
@@ -2638,7 +2934,7 @@
           <a:graphicData uri="http://schemas.openxmlformats.org/presentationml/2006/ole">
             <mc:AlternateContent xmlns:mc="http://schemas.openxmlformats.org/markup-compatibility/2006">
               <mc:Choice xmlns:v="urn:schemas-microsoft-com:vml" Requires="v">
-                <p:oleObj spid="_x0000_s8112" name="Equation" r:id="rId4" imgW="203040" imgH="241200" progId="Equation.DSMT4">
+                <p:oleObj spid="_x0000_s13982" name="Equation" r:id="rId4" imgW="203040" imgH="241200" progId="Equation.DSMT4">
                   <p:embed/>
                 </p:oleObj>
               </mc:Choice>
@@ -2695,7 +2991,7 @@
           <a:graphicData uri="http://schemas.openxmlformats.org/presentationml/2006/ole">
             <mc:AlternateContent xmlns:mc="http://schemas.openxmlformats.org/markup-compatibility/2006">
               <mc:Choice xmlns:v="urn:schemas-microsoft-com:vml" Requires="v">
-                <p:oleObj spid="_x0000_s8113" name="Equation" r:id="rId6" imgW="203040" imgH="241200" progId="Equation.DSMT4">
+                <p:oleObj spid="_x0000_s13983" name="Equation" r:id="rId6" imgW="203040" imgH="241200" progId="Equation.DSMT4">
                   <p:embed/>
                 </p:oleObj>
               </mc:Choice>
@@ -2752,7 +3048,7 @@
           <a:graphicData uri="http://schemas.openxmlformats.org/presentationml/2006/ole">
             <mc:AlternateContent xmlns:mc="http://schemas.openxmlformats.org/markup-compatibility/2006">
               <mc:Choice xmlns:v="urn:schemas-microsoft-com:vml" Requires="v">
-                <p:oleObj spid="_x0000_s8114" name="Equation" r:id="rId7" imgW="203040" imgH="241200" progId="Equation.DSMT4">
+                <p:oleObj spid="_x0000_s13984" name="Equation" r:id="rId7" imgW="203040" imgH="241200" progId="Equation.DSMT4">
                   <p:embed/>
                 </p:oleObj>
               </mc:Choice>
@@ -2809,7 +3105,7 @@
           <a:graphicData uri="http://schemas.openxmlformats.org/presentationml/2006/ole">
             <mc:AlternateContent xmlns:mc="http://schemas.openxmlformats.org/markup-compatibility/2006">
               <mc:Choice xmlns:v="urn:schemas-microsoft-com:vml" Requires="v">
-                <p:oleObj spid="_x0000_s8115" name="Equation" r:id="rId8" imgW="228273" imgH="247319" progId="Equation.DSMT4">
+                <p:oleObj spid="_x0000_s13985" name="Equation" r:id="rId8" imgW="228273" imgH="247319" progId="Equation.DSMT4">
                   <p:embed/>
                 </p:oleObj>
               </mc:Choice>
@@ -2866,7 +3162,7 @@
           <a:graphicData uri="http://schemas.openxmlformats.org/presentationml/2006/ole">
             <mc:AlternateContent xmlns:mc="http://schemas.openxmlformats.org/markup-compatibility/2006">
               <mc:Choice xmlns:v="urn:schemas-microsoft-com:vml" Requires="v">
-                <p:oleObj spid="_x0000_s8116" name="Equation" r:id="rId10" imgW="622080" imgH="444240" progId="Equation.DSMT4">
+                <p:oleObj spid="_x0000_s13986" name="Equation" r:id="rId10" imgW="622080" imgH="444240" progId="Equation.DSMT4">
                   <p:embed/>
                 </p:oleObj>
               </mc:Choice>
@@ -2923,7 +3219,7 @@
           <a:graphicData uri="http://schemas.openxmlformats.org/presentationml/2006/ole">
             <mc:AlternateContent xmlns:mc="http://schemas.openxmlformats.org/markup-compatibility/2006">
               <mc:Choice xmlns:v="urn:schemas-microsoft-com:vml" Requires="v">
-                <p:oleObj spid="_x0000_s8117" name="Equation" r:id="rId12" imgW="622080" imgH="444240" progId="Equation.DSMT4">
+                <p:oleObj spid="_x0000_s13987" name="Equation" r:id="rId12" imgW="622080" imgH="444240" progId="Equation.DSMT4">
                   <p:embed/>
                 </p:oleObj>
               </mc:Choice>
@@ -2980,7 +3276,7 @@
           <a:graphicData uri="http://schemas.openxmlformats.org/presentationml/2006/ole">
             <mc:AlternateContent xmlns:mc="http://schemas.openxmlformats.org/markup-compatibility/2006">
               <mc:Choice xmlns:v="urn:schemas-microsoft-com:vml" Requires="v">
-                <p:oleObj spid="_x0000_s8118" name="Equation" r:id="rId13" imgW="203040" imgH="241200" progId="Equation.DSMT4">
+                <p:oleObj spid="_x0000_s13988" name="Equation" r:id="rId13" imgW="203040" imgH="241200" progId="Equation.DSMT4">
                   <p:embed/>
                 </p:oleObj>
               </mc:Choice>
@@ -3037,7 +3333,7 @@
           <a:graphicData uri="http://schemas.openxmlformats.org/presentationml/2006/ole">
             <mc:AlternateContent xmlns:mc="http://schemas.openxmlformats.org/markup-compatibility/2006">
               <mc:Choice xmlns:v="urn:schemas-microsoft-com:vml" Requires="v">
-                <p:oleObj spid="_x0000_s8119" name="Equation" r:id="rId15" imgW="203040" imgH="241200" progId="Equation.DSMT4">
+                <p:oleObj spid="_x0000_s13989" name="Equation" r:id="rId15" imgW="203040" imgH="241200" progId="Equation.DSMT4">
                   <p:embed/>
                 </p:oleObj>
               </mc:Choice>
@@ -3094,7 +3390,7 @@
           <a:graphicData uri="http://schemas.openxmlformats.org/presentationml/2006/ole">
             <mc:AlternateContent xmlns:mc="http://schemas.openxmlformats.org/markup-compatibility/2006">
               <mc:Choice xmlns:v="urn:schemas-microsoft-com:vml" Requires="v">
-                <p:oleObj spid="_x0000_s8120" name="Equation" r:id="rId16" imgW="3233783" imgH="695360" progId="Equation.DSMT4">
+                <p:oleObj spid="_x0000_s13990" name="Equation" r:id="rId16" imgW="3233783" imgH="695360" progId="Equation.DSMT4">
                   <p:embed/>
                 </p:oleObj>
               </mc:Choice>
@@ -3151,7 +3447,7 @@
           <a:graphicData uri="http://schemas.openxmlformats.org/presentationml/2006/ole">
             <mc:AlternateContent xmlns:mc="http://schemas.openxmlformats.org/markup-compatibility/2006">
               <mc:Choice xmlns:v="urn:schemas-microsoft-com:vml" Requires="v">
-                <p:oleObj spid="_x0000_s8121" name="Equation" r:id="rId18" imgW="3233783" imgH="695360" progId="Equation.DSMT4">
+                <p:oleObj spid="_x0000_s13991" name="Equation" r:id="rId18" imgW="3233783" imgH="695360" progId="Equation.DSMT4">
                   <p:embed/>
                 </p:oleObj>
               </mc:Choice>
@@ -3199,7 +3495,7 @@
 </p:notes>
 </file>
 
-<file path=ppt/notesSlides/notesSlide3.xml><?xml version="1.0" encoding="utf-8"?>
+<file path=ppt/notesSlides/notesSlide4.xml><?xml version="1.0" encoding="utf-8"?>
 <p:notes xmlns:a="http://schemas.openxmlformats.org/drawingml/2006/main" xmlns:r="http://schemas.openxmlformats.org/officeDocument/2006/relationships" xmlns:p="http://schemas.openxmlformats.org/presentationml/2006/main">
   <p:cSld>
     <p:spTree>
@@ -3618,11 +3914,27 @@
                 </a:r>
                 <a:r>
                   <a:rPr lang="ru-RU" dirty="0" smtClean="0"/>
-                  <a:t>жестко закрепленный конец стержня и шарнирно –</a:t>
+                  <a:t>жестко закрепленный конец стержня </a:t>
+                </a:r>
+                <a:r>
+                  <a:rPr lang="en-US" dirty="0" smtClean="0"/>
+                  <a:t>,</a:t>
+                </a:r>
+                <a:r>
+                  <a:rPr lang="ru-RU" dirty="0" smtClean="0"/>
+                  <a:t> </a:t>
+                </a:r>
+                <a:r>
+                  <a:rPr lang="ru-RU" dirty="0" smtClean="0"/>
+                  <a:t>шарнирно –</a:t>
                 </a:r>
                 <a:r>
                   <a:rPr lang="ru-RU" baseline="0" dirty="0" smtClean="0"/>
-                  <a:t> опёртый стержень.</a:t>
+                  <a:t> опёртый </a:t>
+                </a:r>
+                <a:r>
+                  <a:rPr lang="ru-RU" baseline="0" dirty="0" smtClean="0"/>
+                  <a:t>стержень и шарнирно-опёртый стержень на упругом основании.</a:t>
                 </a:r>
                 <a:endParaRPr lang="ru-RU" sz="1200" kern="1200" baseline="0" dirty="0" smtClean="0">
                   <a:solidFill>
@@ -4012,7 +4324,7 @@
 </p:notes>
 </file>
 
-<file path=ppt/notesSlides/notesSlide4.xml><?xml version="1.0" encoding="utf-8"?>
+<file path=ppt/notesSlides/notesSlide5.xml><?xml version="1.0" encoding="utf-8"?>
 <p:notes xmlns:a="http://schemas.openxmlformats.org/drawingml/2006/main" xmlns:r="http://schemas.openxmlformats.org/officeDocument/2006/relationships" xmlns:p="http://schemas.openxmlformats.org/presentationml/2006/main">
   <p:cSld>
     <p:spTree>
@@ -4083,7 +4395,71 @@
                 <a:ea typeface="+mn-ea"/>
                 <a:cs typeface="+mn-cs"/>
               </a:rPr>
-              <a:t>Смещения стержня во времени представлено формулой (5</a:t>
+              <a:t>Рассмотрим</a:t>
+            </a:r>
+            <a:r>
+              <a:rPr lang="ru-RU" sz="1200" kern="1200" baseline="0" dirty="0" smtClean="0">
+                <a:solidFill>
+                  <a:schemeClr val="tx1"/>
+                </a:solidFill>
+                <a:effectLst/>
+                <a:latin typeface="+mn-lt"/>
+                <a:ea typeface="+mn-ea"/>
+                <a:cs typeface="+mn-cs"/>
+              </a:rPr>
+              <a:t> продольные колебания.</a:t>
+            </a:r>
+            <a:endParaRPr lang="ru-RU" sz="1200" kern="1200" dirty="0" smtClean="0">
+              <a:solidFill>
+                <a:schemeClr val="tx1"/>
+              </a:solidFill>
+              <a:effectLst/>
+              <a:latin typeface="+mn-lt"/>
+              <a:ea typeface="+mn-ea"/>
+              <a:cs typeface="+mn-cs"/>
+            </a:endParaRPr>
+          </a:p>
+          <a:p>
+            <a:pPr marL="0" marR="0" indent="0" algn="l" defTabSz="914400" rtl="0" eaLnBrk="1" fontAlgn="auto" latinLnBrk="0" hangingPunct="1">
+              <a:lnSpc>
+                <a:spcPct val="100000"/>
+              </a:lnSpc>
+              <a:spcBef>
+                <a:spcPts val="0"/>
+              </a:spcBef>
+              <a:spcAft>
+                <a:spcPts val="0"/>
+              </a:spcAft>
+              <a:buClrTx/>
+              <a:buSzTx/>
+              <a:buFontTx/>
+              <a:buNone/>
+              <a:tabLst/>
+              <a:defRPr/>
+            </a:pPr>
+            <a:r>
+              <a:rPr lang="ru-RU" sz="1200" kern="1200" dirty="0" smtClean="0">
+                <a:solidFill>
+                  <a:schemeClr val="tx1"/>
+                </a:solidFill>
+                <a:effectLst/>
+                <a:latin typeface="+mn-lt"/>
+                <a:ea typeface="+mn-ea"/>
+                <a:cs typeface="+mn-cs"/>
+              </a:rPr>
+              <a:t>Смещения </a:t>
+            </a:r>
+            <a:r>
+              <a:rPr lang="ru-RU" sz="1200" kern="1200" dirty="0" smtClean="0">
+                <a:solidFill>
+                  <a:schemeClr val="tx1"/>
+                </a:solidFill>
+                <a:effectLst/>
+                <a:latin typeface="+mn-lt"/>
+                <a:ea typeface="+mn-ea"/>
+                <a:cs typeface="+mn-cs"/>
+              </a:rPr>
+              <a:t>стержня во времени представлено формулой (5</a:t>
             </a:r>
             <a:r>
               <a:rPr lang="ru-RU" sz="1200" kern="1200" baseline="0" dirty="0" smtClean="0">
@@ -4428,422 +4804,6 @@
     <p:extLst>
       <p:ext uri="{BB962C8B-B14F-4D97-AF65-F5344CB8AC3E}">
         <p14:creationId xmlns:p14="http://schemas.microsoft.com/office/powerpoint/2010/main" val="2416369323"/>
-      </p:ext>
-    </p:extLst>
-  </p:cSld>
-  <p:clrMapOvr>
-    <a:masterClrMapping/>
-  </p:clrMapOvr>
-</p:notes>
-</file>
-
-<file path=ppt/notesSlides/notesSlide5.xml><?xml version="1.0" encoding="utf-8"?>
-<p:notes xmlns:a="http://schemas.openxmlformats.org/drawingml/2006/main" xmlns:r="http://schemas.openxmlformats.org/officeDocument/2006/relationships" xmlns:p="http://schemas.openxmlformats.org/presentationml/2006/main">
-  <p:cSld>
-    <p:spTree>
-      <p:nvGrpSpPr>
-        <p:cNvPr id="1" name=""/>
-        <p:cNvGrpSpPr/>
-        <p:nvPr/>
-      </p:nvGrpSpPr>
-      <p:grpSpPr>
-        <a:xfrm>
-          <a:off x="0" y="0"/>
-          <a:ext cx="0" cy="0"/>
-          <a:chOff x="0" y="0"/>
-          <a:chExt cx="0" cy="0"/>
-        </a:xfrm>
-      </p:grpSpPr>
-      <p:sp>
-        <p:nvSpPr>
-          <p:cNvPr id="2" name="Образ слайда 1"/>
-          <p:cNvSpPr>
-            <a:spLocks noGrp="1" noRot="1" noChangeAspect="1"/>
-          </p:cNvSpPr>
-          <p:nvPr>
-            <p:ph type="sldImg"/>
-          </p:nvPr>
-        </p:nvSpPr>
-        <p:spPr/>
-      </p:sp>
-      <p:sp>
-        <p:nvSpPr>
-          <p:cNvPr id="3" name="Заметки 2"/>
-          <p:cNvSpPr>
-            <a:spLocks noGrp="1"/>
-          </p:cNvSpPr>
-          <p:nvPr>
-            <p:ph type="body" idx="1"/>
-          </p:nvPr>
-        </p:nvSpPr>
-        <p:spPr/>
-        <p:txBody>
-          <a:bodyPr/>
-          <a:lstStyle/>
-          <a:p>
-            <a:pPr marL="0" marR="0" indent="0" algn="l" defTabSz="914400" rtl="0" eaLnBrk="1" fontAlgn="auto" latinLnBrk="0" hangingPunct="1">
-              <a:lnSpc>
-                <a:spcPct val="100000"/>
-              </a:lnSpc>
-              <a:spcBef>
-                <a:spcPts val="0"/>
-              </a:spcBef>
-              <a:spcAft>
-                <a:spcPts val="0"/>
-              </a:spcAft>
-              <a:buClrTx/>
-              <a:buSzTx/>
-              <a:buFontTx/>
-              <a:buNone/>
-              <a:tabLst/>
-              <a:defRPr/>
-            </a:pPr>
-            <a:r>
-              <a:rPr lang="ru-RU" sz="1200" kern="1200" dirty="0" smtClean="0">
-                <a:solidFill>
-                  <a:schemeClr val="tx1"/>
-                </a:solidFill>
-                <a:effectLst/>
-                <a:latin typeface="+mn-lt"/>
-                <a:ea typeface="+mn-ea"/>
-                <a:cs typeface="+mn-cs"/>
-              </a:rPr>
-              <a:t>Для свободных  колебаний без учета рассеяния энергии (</a:t>
-            </a:r>
-            <a:r>
-              <a:rPr lang="en-US" sz="1200" kern="1200" dirty="0" smtClean="0">
-                <a:solidFill>
-                  <a:schemeClr val="tx1"/>
-                </a:solidFill>
-                <a:effectLst/>
-                <a:latin typeface="+mn-lt"/>
-                <a:ea typeface="+mn-ea"/>
-                <a:cs typeface="+mn-cs"/>
-              </a:rPr>
-              <a:t>b=0)</a:t>
-            </a:r>
-            <a:r>
-              <a:rPr lang="ru-RU" sz="1200" kern="1200" dirty="0" smtClean="0">
-                <a:solidFill>
-                  <a:schemeClr val="tx1"/>
-                </a:solidFill>
-                <a:effectLst/>
-                <a:latin typeface="+mn-lt"/>
-                <a:ea typeface="+mn-ea"/>
-                <a:cs typeface="+mn-cs"/>
-              </a:rPr>
-              <a:t> , уравнение (2) можно записать в виде (8)</a:t>
-            </a:r>
-          </a:p>
-          <a:p>
-            <a:r>
-              <a:rPr lang="ru-RU" sz="1200" kern="1200" dirty="0" smtClean="0">
-                <a:solidFill>
-                  <a:schemeClr val="tx1"/>
-                </a:solidFill>
-                <a:effectLst/>
-                <a:latin typeface="+mn-lt"/>
-                <a:ea typeface="+mn-ea"/>
-                <a:cs typeface="+mn-cs"/>
-              </a:rPr>
-              <a:t>где , </a:t>
-            </a:r>
-            <a:r>
-              <a:rPr lang="en-US" sz="1200" kern="1200" dirty="0" smtClean="0">
-                <a:solidFill>
-                  <a:schemeClr val="tx1"/>
-                </a:solidFill>
-                <a:effectLst/>
-                <a:latin typeface="+mn-lt"/>
-                <a:ea typeface="+mn-ea"/>
-                <a:cs typeface="+mn-cs"/>
-              </a:rPr>
-              <a:t>a=</a:t>
-            </a:r>
-            <a:r>
-              <a:rPr lang="ru-RU" sz="1200" kern="1200" dirty="0" smtClean="0">
-                <a:solidFill>
-                  <a:schemeClr val="tx1"/>
-                </a:solidFill>
-                <a:effectLst/>
-                <a:latin typeface="+mn-lt"/>
-                <a:ea typeface="+mn-ea"/>
-                <a:cs typeface="+mn-cs"/>
-              </a:rPr>
-              <a:t>корень(</a:t>
-            </a:r>
-            <a:r>
-              <a:rPr lang="en-US" sz="1200" kern="1200" dirty="0" smtClean="0">
-                <a:solidFill>
-                  <a:schemeClr val="tx1"/>
-                </a:solidFill>
-                <a:effectLst/>
-                <a:latin typeface="+mn-lt"/>
-                <a:ea typeface="+mn-ea"/>
-                <a:cs typeface="+mn-cs"/>
-              </a:rPr>
-              <a:t>EJ/</a:t>
-            </a:r>
-            <a:r>
-              <a:rPr lang="en-US" sz="1200" kern="1200" dirty="0" err="1" smtClean="0">
-                <a:solidFill>
-                  <a:schemeClr val="tx1"/>
-                </a:solidFill>
-                <a:effectLst/>
-                <a:latin typeface="+mn-lt"/>
-                <a:ea typeface="+mn-ea"/>
-                <a:cs typeface="+mn-cs"/>
-              </a:rPr>
-              <a:t>pS</a:t>
-            </a:r>
-            <a:r>
-              <a:rPr lang="en-US" sz="1200" kern="1200" dirty="0" smtClean="0">
-                <a:solidFill>
-                  <a:schemeClr val="tx1"/>
-                </a:solidFill>
-                <a:effectLst/>
-                <a:latin typeface="+mn-lt"/>
-                <a:ea typeface="+mn-ea"/>
-                <a:cs typeface="+mn-cs"/>
-              </a:rPr>
-              <a:t>)</a:t>
-            </a:r>
-            <a:r>
-              <a:rPr lang="en-US" sz="1200" kern="1200" baseline="0" dirty="0" smtClean="0">
-                <a:solidFill>
-                  <a:schemeClr val="tx1"/>
-                </a:solidFill>
-                <a:effectLst/>
-                <a:latin typeface="+mn-lt"/>
-                <a:ea typeface="+mn-ea"/>
-                <a:cs typeface="+mn-cs"/>
-              </a:rPr>
-              <a:t>       EJ-</a:t>
-            </a:r>
-            <a:r>
-              <a:rPr lang="ru-RU" sz="1200" kern="1200" baseline="0" dirty="0" smtClean="0">
-                <a:solidFill>
-                  <a:schemeClr val="tx1"/>
-                </a:solidFill>
-                <a:effectLst/>
-                <a:latin typeface="+mn-lt"/>
-                <a:ea typeface="+mn-ea"/>
-                <a:cs typeface="+mn-cs"/>
-              </a:rPr>
-              <a:t>жёсткость сечения на изгиб.</a:t>
-            </a:r>
-          </a:p>
-          <a:p>
-            <a:endParaRPr lang="ru-RU" sz="1200" kern="1200" baseline="0" dirty="0" smtClean="0">
-              <a:solidFill>
-                <a:schemeClr val="tx1"/>
-              </a:solidFill>
-              <a:effectLst/>
-              <a:latin typeface="+mn-lt"/>
-              <a:ea typeface="+mn-ea"/>
-              <a:cs typeface="+mn-cs"/>
-            </a:endParaRPr>
-          </a:p>
-          <a:p>
-            <a:pPr marL="0" marR="0" indent="0" algn="l" defTabSz="914400" rtl="0" eaLnBrk="1" fontAlgn="auto" latinLnBrk="0" hangingPunct="1">
-              <a:lnSpc>
-                <a:spcPct val="100000"/>
-              </a:lnSpc>
-              <a:spcBef>
-                <a:spcPts val="0"/>
-              </a:spcBef>
-              <a:spcAft>
-                <a:spcPts val="0"/>
-              </a:spcAft>
-              <a:buClrTx/>
-              <a:buSzTx/>
-              <a:buFontTx/>
-              <a:buNone/>
-              <a:tabLst/>
-              <a:defRPr/>
-            </a:pPr>
-            <a:r>
-              <a:rPr lang="ru-RU" sz="1200" kern="1200" dirty="0" smtClean="0">
-                <a:solidFill>
-                  <a:schemeClr val="tx1"/>
-                </a:solidFill>
-                <a:effectLst/>
-                <a:latin typeface="+mn-lt"/>
-                <a:ea typeface="+mn-ea"/>
-                <a:cs typeface="+mn-cs"/>
-              </a:rPr>
-              <a:t>Для установившегося режима колебаний системы, решение ищем в виде (9)</a:t>
-            </a:r>
-            <a:endParaRPr lang="ru-RU" sz="1200" kern="1200" baseline="0" dirty="0" smtClean="0">
-              <a:solidFill>
-                <a:schemeClr val="tx1"/>
-              </a:solidFill>
-              <a:effectLst/>
-              <a:latin typeface="+mn-lt"/>
-              <a:ea typeface="+mn-ea"/>
-              <a:cs typeface="+mn-cs"/>
-            </a:endParaRPr>
-          </a:p>
-          <a:p>
-            <a:endParaRPr lang="ru-RU" sz="1200" kern="1200" baseline="0" dirty="0" smtClean="0">
-              <a:solidFill>
-                <a:schemeClr val="tx1"/>
-              </a:solidFill>
-              <a:effectLst/>
-              <a:latin typeface="+mn-lt"/>
-              <a:ea typeface="+mn-ea"/>
-              <a:cs typeface="+mn-cs"/>
-            </a:endParaRPr>
-          </a:p>
-          <a:p>
-            <a:r>
-              <a:rPr lang="ru-RU" sz="1200" kern="1200" baseline="0" dirty="0" smtClean="0">
-                <a:solidFill>
-                  <a:schemeClr val="tx1"/>
-                </a:solidFill>
-                <a:effectLst/>
-                <a:latin typeface="+mn-lt"/>
-                <a:ea typeface="+mn-ea"/>
-                <a:cs typeface="+mn-cs"/>
-              </a:rPr>
-              <a:t>Тогда решение (8) будем искать в виде (10). Где А это константы, а </a:t>
-            </a:r>
-            <a:r>
-              <a:rPr lang="en-US" sz="1200" kern="1200" baseline="0" dirty="0" smtClean="0">
-                <a:solidFill>
-                  <a:schemeClr val="tx1"/>
-                </a:solidFill>
-                <a:effectLst/>
-                <a:latin typeface="+mn-lt"/>
-                <a:ea typeface="+mn-ea"/>
-                <a:cs typeface="+mn-cs"/>
-              </a:rPr>
-              <a:t>S</a:t>
-            </a:r>
-            <a:r>
-              <a:rPr lang="ru-RU" sz="1200" kern="1200" baseline="0" dirty="0" smtClean="0">
-                <a:solidFill>
-                  <a:schemeClr val="tx1"/>
-                </a:solidFill>
-                <a:effectLst/>
-                <a:latin typeface="+mn-lt"/>
-                <a:ea typeface="+mn-ea"/>
-                <a:cs typeface="+mn-cs"/>
-              </a:rPr>
-              <a:t> это функции Крылова.</a:t>
-            </a:r>
-          </a:p>
-          <a:p>
-            <a:endParaRPr lang="ru-RU" sz="1200" kern="1200" dirty="0" smtClean="0">
-              <a:solidFill>
-                <a:schemeClr val="tx1"/>
-              </a:solidFill>
-              <a:effectLst/>
-              <a:latin typeface="+mn-lt"/>
-              <a:ea typeface="+mn-ea"/>
-              <a:cs typeface="+mn-cs"/>
-            </a:endParaRPr>
-          </a:p>
-          <a:p>
-            <a:endParaRPr lang="ru-RU" sz="1200" kern="1200" dirty="0" smtClean="0">
-              <a:solidFill>
-                <a:schemeClr val="tx1"/>
-              </a:solidFill>
-              <a:effectLst/>
-              <a:latin typeface="+mn-lt"/>
-              <a:ea typeface="+mn-ea"/>
-              <a:cs typeface="+mn-cs"/>
-            </a:endParaRPr>
-          </a:p>
-          <a:p>
-            <a:endParaRPr lang="ru-RU" dirty="0"/>
-          </a:p>
-        </p:txBody>
-      </p:sp>
-      <p:sp>
-        <p:nvSpPr>
-          <p:cNvPr id="4" name="Номер слайда 3"/>
-          <p:cNvSpPr>
-            <a:spLocks noGrp="1"/>
-          </p:cNvSpPr>
-          <p:nvPr>
-            <p:ph type="sldNum" sz="quarter" idx="10"/>
-          </p:nvPr>
-        </p:nvSpPr>
-        <p:spPr/>
-        <p:txBody>
-          <a:bodyPr/>
-          <a:lstStyle/>
-          <a:p>
-            <a:fld id="{CAE4845F-1871-4586-9DE7-D6CB3B74C965}" type="slidenum">
-              <a:rPr lang="ru-RU" smtClean="0"/>
-              <a:t>6</a:t>
-            </a:fld>
-            <a:endParaRPr lang="ru-RU"/>
-          </a:p>
-        </p:txBody>
-      </p:sp>
-      <p:graphicFrame>
-        <p:nvGraphicFramePr>
-          <p:cNvPr id="9" name="Объект 8"/>
-          <p:cNvGraphicFramePr>
-            <a:graphicFrameLocks noChangeAspect="1"/>
-          </p:cNvGraphicFramePr>
-          <p:nvPr>
-            <p:extLst>
-              <p:ext uri="{D42A27DB-BD31-4B8C-83A1-F6EECF244321}">
-                <p14:modId xmlns:p14="http://schemas.microsoft.com/office/powerpoint/2010/main" val="813829651"/>
-              </p:ext>
-            </p:extLst>
-          </p:nvPr>
-        </p:nvGraphicFramePr>
-        <p:xfrm>
-          <a:off x="2711450" y="4311650"/>
-          <a:ext cx="1435100" cy="520700"/>
-        </p:xfrm>
-        <a:graphic>
-          <a:graphicData uri="http://schemas.openxmlformats.org/presentationml/2006/ole">
-            <mc:AlternateContent xmlns:mc="http://schemas.openxmlformats.org/markup-compatibility/2006">
-              <mc:Choice xmlns:v="urn:schemas-microsoft-com:vml" Requires="v">
-                <p:oleObj spid="_x0000_s11338" name="Equation" r:id="rId4" imgW="1434960" imgH="520560" progId="Equation.DSMT4">
-                  <p:embed/>
-                </p:oleObj>
-              </mc:Choice>
-              <mc:Fallback>
-                <p:oleObj name="Equation" r:id="rId4" imgW="1434960" imgH="520560" progId="Equation.DSMT4">
-                  <p:embed/>
-                  <p:pic>
-                    <p:nvPicPr>
-                      <p:cNvPr id="0" name=""/>
-                      <p:cNvPicPr/>
-                      <p:nvPr/>
-                    </p:nvPicPr>
-                    <p:blipFill>
-                      <a:blip r:embed="rId5"/>
-                      <a:stretch>
-                        <a:fillRect/>
-                      </a:stretch>
-                    </p:blipFill>
-                    <p:spPr>
-                      <a:xfrm>
-                        <a:off x="2711450" y="4311650"/>
-                        <a:ext cx="1435100" cy="520700"/>
-                      </a:xfrm>
-                      <a:prstGeom prst="rect">
-                        <a:avLst/>
-                      </a:prstGeom>
-                    </p:spPr>
-                  </p:pic>
-                </p:oleObj>
-              </mc:Fallback>
-            </mc:AlternateContent>
-          </a:graphicData>
-        </a:graphic>
-      </p:graphicFrame>
-    </p:spTree>
-    <p:extLst>
-      <p:ext uri="{BB962C8B-B14F-4D97-AF65-F5344CB8AC3E}">
-        <p14:creationId xmlns:p14="http://schemas.microsoft.com/office/powerpoint/2010/main" val="682825571"/>
       </p:ext>
     </p:extLst>
   </p:cSld>
@@ -4924,7 +4884,7 @@
                 <a:ea typeface="+mn-ea"/>
                 <a:cs typeface="+mn-cs"/>
               </a:rPr>
-              <a:t>Функции </a:t>
+              <a:t>Для свободных  колебаний без учета рассеяния энергии (</a:t>
             </a:r>
             <a:r>
               <a:rPr lang="en-US" sz="1200" kern="1200" dirty="0" smtClean="0">
@@ -4936,7 +4896,7 @@
                 <a:ea typeface="+mn-ea"/>
                 <a:cs typeface="+mn-cs"/>
               </a:rPr>
-              <a:t>S1 S2 S3 S4</a:t>
+              <a:t>b=0)</a:t>
             </a:r>
             <a:r>
               <a:rPr lang="ru-RU" sz="1200" kern="1200" dirty="0" smtClean="0">
@@ -4948,10 +4908,22 @@
                 <a:ea typeface="+mn-ea"/>
                 <a:cs typeface="+mn-cs"/>
               </a:rPr>
-              <a:t> называются функциями Крылова или балочными функциями. Эти функции обладают интересными особенностями.</a:t>
-            </a:r>
-          </a:p>
-          <a:p>
+              <a:t> , уравнение (2) можно записать в виде (8)</a:t>
+            </a:r>
+          </a:p>
+          <a:p>
+            <a:r>
+              <a:rPr lang="ru-RU" sz="1200" kern="1200" dirty="0" smtClean="0">
+                <a:solidFill>
+                  <a:schemeClr val="tx1"/>
+                </a:solidFill>
+                <a:effectLst/>
+                <a:latin typeface="+mn-lt"/>
+                <a:ea typeface="+mn-ea"/>
+                <a:cs typeface="+mn-cs"/>
+              </a:rPr>
+              <a:t>где , </a:t>
+            </a:r>
             <a:r>
               <a:rPr lang="en-US" sz="1200" kern="1200" dirty="0" smtClean="0">
                 <a:solidFill>
@@ -4962,7 +4934,7 @@
                 <a:ea typeface="+mn-ea"/>
                 <a:cs typeface="+mn-cs"/>
               </a:rPr>
-              <a:t>S1</a:t>
+              <a:t>a=</a:t>
             </a:r>
             <a:r>
               <a:rPr lang="ru-RU" sz="1200" kern="1200" dirty="0" smtClean="0">
@@ -4974,7 +4946,7 @@
                 <a:ea typeface="+mn-ea"/>
                 <a:cs typeface="+mn-cs"/>
               </a:rPr>
-              <a:t>(0)=1</a:t>
+              <a:t>корень(</a:t>
             </a:r>
             <a:r>
               <a:rPr lang="en-US" sz="1200" kern="1200" dirty="0" smtClean="0">
@@ -4986,8 +4958,86 @@
                 <a:ea typeface="+mn-ea"/>
                 <a:cs typeface="+mn-cs"/>
               </a:rPr>
-              <a:t> S2</a:t>
-            </a:r>
+              <a:t>EJ/</a:t>
+            </a:r>
+            <a:r>
+              <a:rPr lang="en-US" sz="1200" kern="1200" dirty="0" err="1" smtClean="0">
+                <a:solidFill>
+                  <a:schemeClr val="tx1"/>
+                </a:solidFill>
+                <a:effectLst/>
+                <a:latin typeface="+mn-lt"/>
+                <a:ea typeface="+mn-ea"/>
+                <a:cs typeface="+mn-cs"/>
+              </a:rPr>
+              <a:t>pS</a:t>
+            </a:r>
+            <a:r>
+              <a:rPr lang="en-US" sz="1200" kern="1200" dirty="0" smtClean="0">
+                <a:solidFill>
+                  <a:schemeClr val="tx1"/>
+                </a:solidFill>
+                <a:effectLst/>
+                <a:latin typeface="+mn-lt"/>
+                <a:ea typeface="+mn-ea"/>
+                <a:cs typeface="+mn-cs"/>
+              </a:rPr>
+              <a:t>)</a:t>
+            </a:r>
+            <a:r>
+              <a:rPr lang="en-US" sz="1200" kern="1200" baseline="0" dirty="0" smtClean="0">
+                <a:solidFill>
+                  <a:schemeClr val="tx1"/>
+                </a:solidFill>
+                <a:effectLst/>
+                <a:latin typeface="+mn-lt"/>
+                <a:ea typeface="+mn-ea"/>
+                <a:cs typeface="+mn-cs"/>
+              </a:rPr>
+              <a:t>       EJ-</a:t>
+            </a:r>
+            <a:r>
+              <a:rPr lang="ru-RU" sz="1200" kern="1200" baseline="0" dirty="0" smtClean="0">
+                <a:solidFill>
+                  <a:schemeClr val="tx1"/>
+                </a:solidFill>
+                <a:effectLst/>
+                <a:latin typeface="+mn-lt"/>
+                <a:ea typeface="+mn-ea"/>
+                <a:cs typeface="+mn-cs"/>
+              </a:rPr>
+              <a:t>жёсткость сечения на изгиб.</a:t>
+            </a:r>
+          </a:p>
+          <a:p>
+            <a:endParaRPr lang="ru-RU" sz="1200" kern="1200" baseline="0" dirty="0" smtClean="0">
+              <a:solidFill>
+                <a:schemeClr val="tx1"/>
+              </a:solidFill>
+              <a:effectLst/>
+              <a:latin typeface="+mn-lt"/>
+              <a:ea typeface="+mn-ea"/>
+              <a:cs typeface="+mn-cs"/>
+            </a:endParaRPr>
+          </a:p>
+          <a:p>
+            <a:pPr marL="0" marR="0" indent="0" algn="l" defTabSz="914400" rtl="0" eaLnBrk="1" fontAlgn="auto" latinLnBrk="0" hangingPunct="1">
+              <a:lnSpc>
+                <a:spcPct val="100000"/>
+              </a:lnSpc>
+              <a:spcBef>
+                <a:spcPts val="0"/>
+              </a:spcBef>
+              <a:spcAft>
+                <a:spcPts val="0"/>
+              </a:spcAft>
+              <a:buClrTx/>
+              <a:buSzTx/>
+              <a:buFontTx/>
+              <a:buNone/>
+              <a:tabLst/>
+              <a:defRPr/>
+            </a:pPr>
             <a:r>
               <a:rPr lang="ru-RU" sz="1200" kern="1200" dirty="0" smtClean="0">
                 <a:solidFill>
@@ -4998,10 +5048,32 @@
                 <a:ea typeface="+mn-ea"/>
                 <a:cs typeface="+mn-cs"/>
               </a:rPr>
-              <a:t>(0)=</a:t>
-            </a:r>
-            <a:r>
-              <a:rPr lang="en-US" sz="1200" kern="1200" dirty="0" smtClean="0">
+              <a:t>Для установившегося режима колебаний системы, решение ищем в виде (9)</a:t>
+            </a:r>
+            <a:endParaRPr lang="ru-RU" sz="1200" kern="1200" baseline="0" dirty="0" smtClean="0">
+              <a:solidFill>
+                <a:schemeClr val="tx1"/>
+              </a:solidFill>
+              <a:effectLst/>
+              <a:latin typeface="+mn-lt"/>
+              <a:ea typeface="+mn-ea"/>
+              <a:cs typeface="+mn-cs"/>
+            </a:endParaRPr>
+          </a:p>
+          <a:p>
+            <a:endParaRPr lang="ru-RU" sz="1200" kern="1200" baseline="0" dirty="0" smtClean="0">
+              <a:solidFill>
+                <a:schemeClr val="tx1"/>
+              </a:solidFill>
+              <a:effectLst/>
+              <a:latin typeface="+mn-lt"/>
+              <a:ea typeface="+mn-ea"/>
+              <a:cs typeface="+mn-cs"/>
+            </a:endParaRPr>
+          </a:p>
+          <a:p>
+            <a:r>
+              <a:rPr lang="ru-RU" sz="1200" kern="1200" baseline="0" dirty="0" smtClean="0">
                 <a:solidFill>
                   <a:schemeClr val="tx1"/>
                 </a:solidFill>
@@ -5010,10 +5082,10 @@
                 <a:ea typeface="+mn-ea"/>
                 <a:cs typeface="+mn-cs"/>
               </a:rPr>
-              <a:t>S3</a:t>
-            </a:r>
-            <a:r>
-              <a:rPr lang="ru-RU" sz="1200" kern="1200" dirty="0" smtClean="0">
+              <a:t>Тогда решение (8) будем искать в виде (10). Где А это константы, а </a:t>
+            </a:r>
+            <a:r>
+              <a:rPr lang="en-US" sz="1200" kern="1200" baseline="0" dirty="0" smtClean="0">
                 <a:solidFill>
                   <a:schemeClr val="tx1"/>
                 </a:solidFill>
@@ -5022,10 +5094,10 @@
                 <a:ea typeface="+mn-ea"/>
                 <a:cs typeface="+mn-cs"/>
               </a:rPr>
-              <a:t>(0)=</a:t>
-            </a:r>
-            <a:r>
-              <a:rPr lang="en-US" sz="1200" kern="1200" dirty="0" smtClean="0">
+              <a:t>S</a:t>
+            </a:r>
+            <a:r>
+              <a:rPr lang="ru-RU" sz="1200" kern="1200" baseline="0" dirty="0" smtClean="0">
                 <a:solidFill>
                   <a:schemeClr val="tx1"/>
                 </a:solidFill>
@@ -5034,130 +5106,32 @@
                 <a:ea typeface="+mn-ea"/>
                 <a:cs typeface="+mn-cs"/>
               </a:rPr>
-              <a:t>S4</a:t>
-            </a:r>
-            <a:r>
-              <a:rPr lang="ru-RU" sz="1200" kern="1200" dirty="0" smtClean="0">
-                <a:solidFill>
-                  <a:schemeClr val="tx1"/>
-                </a:solidFill>
-                <a:effectLst/>
-                <a:latin typeface="+mn-lt"/>
-                <a:ea typeface="+mn-ea"/>
-                <a:cs typeface="+mn-cs"/>
-              </a:rPr>
-              <a:t>(0)=0 </a:t>
-            </a:r>
-          </a:p>
-          <a:p>
-            <a:r>
-              <a:rPr lang="ru-RU" sz="1200" kern="1200" dirty="0" smtClean="0">
-                <a:solidFill>
-                  <a:schemeClr val="tx1"/>
-                </a:solidFill>
-                <a:effectLst/>
-                <a:latin typeface="+mn-lt"/>
-                <a:ea typeface="+mn-ea"/>
-                <a:cs typeface="+mn-cs"/>
-              </a:rPr>
-              <a:t>Также при </a:t>
-            </a:r>
-            <a:r>
-              <a:rPr lang="ru-RU" sz="1200" kern="1200" dirty="0" err="1" smtClean="0">
-                <a:solidFill>
-                  <a:schemeClr val="tx1"/>
-                </a:solidFill>
-                <a:effectLst/>
-                <a:latin typeface="+mn-lt"/>
-                <a:ea typeface="+mn-ea"/>
-                <a:cs typeface="+mn-cs"/>
-              </a:rPr>
-              <a:t>диффиренцировании</a:t>
-            </a:r>
-            <a:r>
-              <a:rPr lang="ru-RU" sz="1200" kern="1200" dirty="0" smtClean="0">
-                <a:solidFill>
-                  <a:schemeClr val="tx1"/>
-                </a:solidFill>
-                <a:effectLst/>
-                <a:latin typeface="+mn-lt"/>
-                <a:ea typeface="+mn-ea"/>
-                <a:cs typeface="+mn-cs"/>
-              </a:rPr>
-              <a:t> любая балочная функция превращается в другую балочную функцию. Правило </a:t>
-            </a:r>
-            <a:r>
-              <a:rPr lang="ru-RU" sz="1200" kern="1200" dirty="0" err="1" smtClean="0">
-                <a:solidFill>
-                  <a:schemeClr val="tx1"/>
-                </a:solidFill>
-                <a:effectLst/>
-                <a:latin typeface="+mn-lt"/>
-                <a:ea typeface="+mn-ea"/>
-                <a:cs typeface="+mn-cs"/>
-              </a:rPr>
-              <a:t>дифференицирования</a:t>
-            </a:r>
-            <a:r>
-              <a:rPr lang="ru-RU" sz="1200" kern="1200" dirty="0" smtClean="0">
-                <a:solidFill>
-                  <a:schemeClr val="tx1"/>
-                </a:solidFill>
-                <a:effectLst/>
-                <a:latin typeface="+mn-lt"/>
-                <a:ea typeface="+mn-ea"/>
-                <a:cs typeface="+mn-cs"/>
-              </a:rPr>
-              <a:t> функций можно представить диаграммой, изображённой </a:t>
-            </a:r>
-            <a:r>
-              <a:rPr lang="en-US" sz="1200" kern="1200" dirty="0" err="1" smtClean="0">
-                <a:solidFill>
-                  <a:schemeClr val="tx1"/>
-                </a:solidFill>
-                <a:effectLst/>
-                <a:latin typeface="+mn-lt"/>
-                <a:ea typeface="+mn-ea"/>
-                <a:cs typeface="+mn-cs"/>
-              </a:rPr>
-              <a:t>на</a:t>
-            </a:r>
-            <a:r>
-              <a:rPr lang="en-US" sz="1200" kern="1200" dirty="0" smtClean="0">
-                <a:solidFill>
-                  <a:schemeClr val="tx1"/>
-                </a:solidFill>
-                <a:effectLst/>
-                <a:latin typeface="+mn-lt"/>
-                <a:ea typeface="+mn-ea"/>
-                <a:cs typeface="+mn-cs"/>
-              </a:rPr>
-              <a:t> </a:t>
-            </a:r>
-            <a:r>
-              <a:rPr lang="en-US" sz="1200" kern="1200" dirty="0" err="1" smtClean="0">
-                <a:solidFill>
-                  <a:schemeClr val="tx1"/>
-                </a:solidFill>
-                <a:effectLst/>
-                <a:latin typeface="+mn-lt"/>
-                <a:ea typeface="+mn-ea"/>
-                <a:cs typeface="+mn-cs"/>
-              </a:rPr>
-              <a:t>рисунке</a:t>
-            </a:r>
-            <a:r>
-              <a:rPr lang="en-US" sz="1200" kern="1200" dirty="0" smtClean="0">
-                <a:solidFill>
-                  <a:schemeClr val="tx1"/>
-                </a:solidFill>
-                <a:effectLst/>
-                <a:latin typeface="+mn-lt"/>
-                <a:ea typeface="+mn-ea"/>
-                <a:cs typeface="+mn-cs"/>
-              </a:rPr>
-              <a:t> </a:t>
-            </a:r>
+              <a:t> это функции Крылова.</a:t>
+            </a:r>
+          </a:p>
+          <a:p>
+            <a:endParaRPr lang="ru-RU" sz="1200" kern="1200" dirty="0" smtClean="0">
+              <a:solidFill>
+                <a:schemeClr val="tx1"/>
+              </a:solidFill>
+              <a:effectLst/>
+              <a:latin typeface="+mn-lt"/>
+              <a:ea typeface="+mn-ea"/>
+              <a:cs typeface="+mn-cs"/>
+            </a:endParaRPr>
+          </a:p>
+          <a:p>
+            <a:endParaRPr lang="ru-RU" sz="1200" kern="1200" dirty="0" smtClean="0">
+              <a:solidFill>
+                <a:schemeClr val="tx1"/>
+              </a:solidFill>
+              <a:effectLst/>
+              <a:latin typeface="+mn-lt"/>
+              <a:ea typeface="+mn-ea"/>
+              <a:cs typeface="+mn-cs"/>
+            </a:endParaRPr>
+          </a:p>
+          <a:p>
             <a:endParaRPr lang="ru-RU" dirty="0"/>
           </a:p>
         </p:txBody>
@@ -5179,16 +5153,73 @@
           <a:p>
             <a:fld id="{CAE4845F-1871-4586-9DE7-D6CB3B74C965}" type="slidenum">
               <a:rPr lang="ru-RU" smtClean="0"/>
-              <a:t>7</a:t>
+              <a:t>6</a:t>
             </a:fld>
             <a:endParaRPr lang="ru-RU"/>
           </a:p>
         </p:txBody>
       </p:sp>
+      <p:graphicFrame>
+        <p:nvGraphicFramePr>
+          <p:cNvPr id="9" name="Объект 8"/>
+          <p:cNvGraphicFramePr>
+            <a:graphicFrameLocks noChangeAspect="1"/>
+          </p:cNvGraphicFramePr>
+          <p:nvPr>
+            <p:extLst>
+              <p:ext uri="{D42A27DB-BD31-4B8C-83A1-F6EECF244321}">
+                <p14:modId xmlns:p14="http://schemas.microsoft.com/office/powerpoint/2010/main" val="813829651"/>
+              </p:ext>
+            </p:extLst>
+          </p:nvPr>
+        </p:nvGraphicFramePr>
+        <p:xfrm>
+          <a:off x="2711450" y="4311650"/>
+          <a:ext cx="1435100" cy="520700"/>
+        </p:xfrm>
+        <a:graphic>
+          <a:graphicData uri="http://schemas.openxmlformats.org/presentationml/2006/ole">
+            <mc:AlternateContent xmlns:mc="http://schemas.openxmlformats.org/markup-compatibility/2006">
+              <mc:Choice xmlns:v="urn:schemas-microsoft-com:vml" Requires="v">
+                <p:oleObj spid="_x0000_s11413" name="Equation" r:id="rId4" imgW="1434960" imgH="520560" progId="Equation.DSMT4">
+                  <p:embed/>
+                </p:oleObj>
+              </mc:Choice>
+              <mc:Fallback>
+                <p:oleObj name="Equation" r:id="rId4" imgW="1434960" imgH="520560" progId="Equation.DSMT4">
+                  <p:embed/>
+                  <p:pic>
+                    <p:nvPicPr>
+                      <p:cNvPr id="0" name=""/>
+                      <p:cNvPicPr/>
+                      <p:nvPr/>
+                    </p:nvPicPr>
+                    <p:blipFill>
+                      <a:blip r:embed="rId5"/>
+                      <a:stretch>
+                        <a:fillRect/>
+                      </a:stretch>
+                    </p:blipFill>
+                    <p:spPr>
+                      <a:xfrm>
+                        <a:off x="2711450" y="4311650"/>
+                        <a:ext cx="1435100" cy="520700"/>
+                      </a:xfrm>
+                      <a:prstGeom prst="rect">
+                        <a:avLst/>
+                      </a:prstGeom>
+                    </p:spPr>
+                  </p:pic>
+                </p:oleObj>
+              </mc:Fallback>
+            </mc:AlternateContent>
+          </a:graphicData>
+        </a:graphic>
+      </p:graphicFrame>
     </p:spTree>
     <p:extLst>
       <p:ext uri="{BB962C8B-B14F-4D97-AF65-F5344CB8AC3E}">
-        <p14:creationId xmlns:p14="http://schemas.microsoft.com/office/powerpoint/2010/main" val="151252891"/>
+        <p14:creationId xmlns:p14="http://schemas.microsoft.com/office/powerpoint/2010/main" val="682825571"/>
       </p:ext>
     </p:extLst>
   </p:cSld>
@@ -5242,20 +5273,6 @@
           <a:bodyPr/>
           <a:lstStyle/>
           <a:p>
-            <a:r>
-              <a:rPr lang="ru-RU" sz="1200" kern="1200" dirty="0" smtClean="0">
-                <a:solidFill>
-                  <a:schemeClr val="tx1"/>
-                </a:solidFill>
-                <a:effectLst/>
-                <a:latin typeface="+mn-lt"/>
-                <a:ea typeface="+mn-ea"/>
-                <a:cs typeface="+mn-cs"/>
-              </a:rPr>
-              <a:t>Разрабатываемая программа с графическим интерфейсом предназначена для расчёта опасных режимов эксплуатации стержня с помощью его моделирования и для дальнейшего отображения полученных результатов на экране. Такое моделирование даёт возможность оценить характеристики  будущих стержневых элементов конструкции, их прочность и долговечность ещё на этапе их проектирования.</a:t>
-            </a:r>
-          </a:p>
-          <a:p>
             <a:pPr marL="0" marR="0" indent="0" algn="l" defTabSz="914400" rtl="0" eaLnBrk="1" fontAlgn="auto" latinLnBrk="0" hangingPunct="1">
               <a:lnSpc>
                 <a:spcPct val="100000"/>
@@ -5283,7 +5300,143 @@
                 <a:ea typeface="+mn-ea"/>
                 <a:cs typeface="+mn-cs"/>
               </a:rPr>
-              <a:t>В качестве языка программирования для реализации модели был выбран язык </a:t>
+              <a:t>Функции </a:t>
+            </a:r>
+            <a:r>
+              <a:rPr lang="en-US" sz="1200" kern="1200" dirty="0" smtClean="0">
+                <a:solidFill>
+                  <a:schemeClr val="tx1"/>
+                </a:solidFill>
+                <a:effectLst/>
+                <a:latin typeface="+mn-lt"/>
+                <a:ea typeface="+mn-ea"/>
+                <a:cs typeface="+mn-cs"/>
+              </a:rPr>
+              <a:t>S1 S2 S3 S4</a:t>
+            </a:r>
+            <a:r>
+              <a:rPr lang="ru-RU" sz="1200" kern="1200" dirty="0" smtClean="0">
+                <a:solidFill>
+                  <a:schemeClr val="tx1"/>
+                </a:solidFill>
+                <a:effectLst/>
+                <a:latin typeface="+mn-lt"/>
+                <a:ea typeface="+mn-ea"/>
+                <a:cs typeface="+mn-cs"/>
+              </a:rPr>
+              <a:t> называются функциями Крылова или балочными функциями. Эти функции обладают интересными особенностями.</a:t>
+            </a:r>
+          </a:p>
+          <a:p>
+            <a:r>
+              <a:rPr lang="en-US" sz="1200" kern="1200" dirty="0" smtClean="0">
+                <a:solidFill>
+                  <a:schemeClr val="tx1"/>
+                </a:solidFill>
+                <a:effectLst/>
+                <a:latin typeface="+mn-lt"/>
+                <a:ea typeface="+mn-ea"/>
+                <a:cs typeface="+mn-cs"/>
+              </a:rPr>
+              <a:t>S1</a:t>
+            </a:r>
+            <a:r>
+              <a:rPr lang="ru-RU" sz="1200" kern="1200" dirty="0" smtClean="0">
+                <a:solidFill>
+                  <a:schemeClr val="tx1"/>
+                </a:solidFill>
+                <a:effectLst/>
+                <a:latin typeface="+mn-lt"/>
+                <a:ea typeface="+mn-ea"/>
+                <a:cs typeface="+mn-cs"/>
+              </a:rPr>
+              <a:t>(0)=1</a:t>
+            </a:r>
+            <a:r>
+              <a:rPr lang="en-US" sz="1200" kern="1200" dirty="0" smtClean="0">
+                <a:solidFill>
+                  <a:schemeClr val="tx1"/>
+                </a:solidFill>
+                <a:effectLst/>
+                <a:latin typeface="+mn-lt"/>
+                <a:ea typeface="+mn-ea"/>
+                <a:cs typeface="+mn-cs"/>
+              </a:rPr>
+              <a:t> S2</a:t>
+            </a:r>
+            <a:r>
+              <a:rPr lang="ru-RU" sz="1200" kern="1200" dirty="0" smtClean="0">
+                <a:solidFill>
+                  <a:schemeClr val="tx1"/>
+                </a:solidFill>
+                <a:effectLst/>
+                <a:latin typeface="+mn-lt"/>
+                <a:ea typeface="+mn-ea"/>
+                <a:cs typeface="+mn-cs"/>
+              </a:rPr>
+              <a:t>(0)=</a:t>
+            </a:r>
+            <a:r>
+              <a:rPr lang="en-US" sz="1200" kern="1200" dirty="0" smtClean="0">
+                <a:solidFill>
+                  <a:schemeClr val="tx1"/>
+                </a:solidFill>
+                <a:effectLst/>
+                <a:latin typeface="+mn-lt"/>
+                <a:ea typeface="+mn-ea"/>
+                <a:cs typeface="+mn-cs"/>
+              </a:rPr>
+              <a:t>S3</a:t>
+            </a:r>
+            <a:r>
+              <a:rPr lang="ru-RU" sz="1200" kern="1200" dirty="0" smtClean="0">
+                <a:solidFill>
+                  <a:schemeClr val="tx1"/>
+                </a:solidFill>
+                <a:effectLst/>
+                <a:latin typeface="+mn-lt"/>
+                <a:ea typeface="+mn-ea"/>
+                <a:cs typeface="+mn-cs"/>
+              </a:rPr>
+              <a:t>(0)=</a:t>
+            </a:r>
+            <a:r>
+              <a:rPr lang="en-US" sz="1200" kern="1200" dirty="0" smtClean="0">
+                <a:solidFill>
+                  <a:schemeClr val="tx1"/>
+                </a:solidFill>
+                <a:effectLst/>
+                <a:latin typeface="+mn-lt"/>
+                <a:ea typeface="+mn-ea"/>
+                <a:cs typeface="+mn-cs"/>
+              </a:rPr>
+              <a:t>S4</a:t>
+            </a:r>
+            <a:r>
+              <a:rPr lang="ru-RU" sz="1200" kern="1200" dirty="0" smtClean="0">
+                <a:solidFill>
+                  <a:schemeClr val="tx1"/>
+                </a:solidFill>
+                <a:effectLst/>
+                <a:latin typeface="+mn-lt"/>
+                <a:ea typeface="+mn-ea"/>
+                <a:cs typeface="+mn-cs"/>
+              </a:rPr>
+              <a:t>(0)=0 </a:t>
+            </a:r>
+          </a:p>
+          <a:p>
+            <a:r>
+              <a:rPr lang="ru-RU" sz="1200" kern="1200" dirty="0" smtClean="0">
+                <a:solidFill>
+                  <a:schemeClr val="tx1"/>
+                </a:solidFill>
+                <a:effectLst/>
+                <a:latin typeface="+mn-lt"/>
+                <a:ea typeface="+mn-ea"/>
+                <a:cs typeface="+mn-cs"/>
+              </a:rPr>
+              <a:t>Также при </a:t>
             </a:r>
             <a:r>
               <a:rPr lang="ru-RU" sz="1200" kern="1200" dirty="0" err="1" smtClean="0">
@@ -5295,7 +5448,7 @@
                 <a:ea typeface="+mn-ea"/>
                 <a:cs typeface="+mn-cs"/>
               </a:rPr>
-              <a:t>Python</a:t>
+              <a:t>диффиренцировании</a:t>
             </a:r>
             <a:r>
               <a:rPr lang="ru-RU" sz="1200" kern="1200" dirty="0" smtClean="0">
@@ -5307,55 +5460,20 @@
                 <a:ea typeface="+mn-ea"/>
                 <a:cs typeface="+mn-cs"/>
               </a:rPr>
-              <a:t>.</a:t>
-            </a:r>
-          </a:p>
-          <a:p>
-            <a:pPr marL="0" marR="0" indent="0" algn="l" defTabSz="914400" rtl="0" eaLnBrk="1" fontAlgn="auto" latinLnBrk="0" hangingPunct="1">
-              <a:lnSpc>
-                <a:spcPct val="100000"/>
-              </a:lnSpc>
-              <a:spcBef>
-                <a:spcPts val="0"/>
-              </a:spcBef>
-              <a:spcAft>
-                <a:spcPts val="0"/>
-              </a:spcAft>
-              <a:buClrTx/>
-              <a:buSzTx/>
-              <a:buFontTx/>
-              <a:buNone/>
-              <a:tabLst/>
-              <a:defRPr/>
-            </a:pPr>
-            <a:endParaRPr lang="ru-RU" sz="1200" kern="1200" dirty="0" smtClean="0">
-              <a:solidFill>
-                <a:schemeClr val="tx1"/>
-              </a:solidFill>
-              <a:effectLst/>
-              <a:latin typeface="+mn-lt"/>
-              <a:ea typeface="+mn-ea"/>
-              <a:cs typeface="+mn-cs"/>
-            </a:endParaRPr>
-          </a:p>
-          <a:p>
-            <a:pPr marL="0" marR="0" indent="0" algn="l" defTabSz="914400" rtl="0" eaLnBrk="1" fontAlgn="auto" latinLnBrk="0" hangingPunct="1">
-              <a:lnSpc>
-                <a:spcPct val="100000"/>
-              </a:lnSpc>
-              <a:spcBef>
-                <a:spcPts val="0"/>
-              </a:spcBef>
-              <a:spcAft>
-                <a:spcPts val="0"/>
-              </a:spcAft>
-              <a:buClrTx/>
-              <a:buSzTx/>
-              <a:buFontTx/>
-              <a:buNone/>
-              <a:tabLst/>
-              <a:defRPr/>
-            </a:pPr>
+              <a:t> любая балочная функция превращается в другую балочную функцию. Правило </a:t>
+            </a:r>
+            <a:r>
+              <a:rPr lang="ru-RU" sz="1200" kern="1200" dirty="0" err="1" smtClean="0">
+                <a:solidFill>
+                  <a:schemeClr val="tx1"/>
+                </a:solidFill>
+                <a:effectLst/>
+                <a:latin typeface="+mn-lt"/>
+                <a:ea typeface="+mn-ea"/>
+                <a:cs typeface="+mn-cs"/>
+              </a:rPr>
+              <a:t>дифференицирования</a:t>
+            </a:r>
             <a:r>
               <a:rPr lang="ru-RU" sz="1200" kern="1200" dirty="0" smtClean="0">
                 <a:solidFill>
@@ -5366,10 +5484,10 @@
                 <a:ea typeface="+mn-ea"/>
                 <a:cs typeface="+mn-cs"/>
               </a:rPr>
-              <a:t>На рисунке</a:t>
-            </a:r>
-            <a:r>
-              <a:rPr lang="ru-RU" sz="1200" kern="1200" baseline="0" dirty="0" smtClean="0">
+              <a:t> функций можно представить диаграммой, изображённой </a:t>
+            </a:r>
+            <a:r>
+              <a:rPr lang="en-US" sz="1200" kern="1200" dirty="0" err="1" smtClean="0">
                 <a:solidFill>
                   <a:schemeClr val="tx1"/>
                 </a:solidFill>
@@ -5378,64 +5496,45 @@
                 <a:ea typeface="+mn-ea"/>
                 <a:cs typeface="+mn-cs"/>
               </a:rPr>
-              <a:t> 1 представлена блок схема работы программы</a:t>
-            </a:r>
-          </a:p>
-          <a:p>
-            <a:pPr marL="0" marR="0" indent="0" algn="l" defTabSz="914400" rtl="0" eaLnBrk="1" fontAlgn="auto" latinLnBrk="0" hangingPunct="1">
-              <a:lnSpc>
-                <a:spcPct val="100000"/>
-              </a:lnSpc>
-              <a:spcBef>
-                <a:spcPts val="0"/>
-              </a:spcBef>
-              <a:spcAft>
-                <a:spcPts val="0"/>
-              </a:spcAft>
-              <a:buClrTx/>
-              <a:buSzTx/>
-              <a:buFontTx/>
-              <a:buNone/>
-              <a:tabLst/>
-              <a:defRPr/>
-            </a:pPr>
-            <a:endParaRPr lang="ru-RU" sz="1200" kern="1200" dirty="0" smtClean="0">
-              <a:solidFill>
-                <a:schemeClr val="tx1"/>
-              </a:solidFill>
-              <a:effectLst/>
-              <a:latin typeface="+mn-lt"/>
-              <a:ea typeface="+mn-ea"/>
-              <a:cs typeface="+mn-cs"/>
-            </a:endParaRPr>
-          </a:p>
-          <a:p>
-            <a:pPr marL="0" marR="0" indent="0" algn="l" defTabSz="914400" rtl="0" eaLnBrk="1" fontAlgn="auto" latinLnBrk="0" hangingPunct="1">
-              <a:lnSpc>
-                <a:spcPct val="100000"/>
-              </a:lnSpc>
-              <a:spcBef>
-                <a:spcPts val="0"/>
-              </a:spcBef>
-              <a:spcAft>
-                <a:spcPts val="0"/>
-              </a:spcAft>
-              <a:buClrTx/>
-              <a:buSzTx/>
-              <a:buFontTx/>
-              <a:buNone/>
-              <a:tabLst/>
-              <a:defRPr/>
-            </a:pPr>
-            <a:endParaRPr lang="ru-RU" sz="1200" kern="1200" dirty="0" smtClean="0">
-              <a:solidFill>
-                <a:schemeClr val="tx1"/>
-              </a:solidFill>
-              <a:effectLst/>
-              <a:latin typeface="+mn-lt"/>
-              <a:ea typeface="+mn-ea"/>
-              <a:cs typeface="+mn-cs"/>
-            </a:endParaRPr>
+              <a:t>на</a:t>
+            </a:r>
+            <a:r>
+              <a:rPr lang="en-US" sz="1200" kern="1200" dirty="0" smtClean="0">
+                <a:solidFill>
+                  <a:schemeClr val="tx1"/>
+                </a:solidFill>
+                <a:effectLst/>
+                <a:latin typeface="+mn-lt"/>
+                <a:ea typeface="+mn-ea"/>
+                <a:cs typeface="+mn-cs"/>
+              </a:rPr>
+              <a:t> </a:t>
+            </a:r>
+            <a:r>
+              <a:rPr lang="en-US" sz="1200" kern="1200" dirty="0" err="1" smtClean="0">
+                <a:solidFill>
+                  <a:schemeClr val="tx1"/>
+                </a:solidFill>
+                <a:effectLst/>
+                <a:latin typeface="+mn-lt"/>
+                <a:ea typeface="+mn-ea"/>
+                <a:cs typeface="+mn-cs"/>
+              </a:rPr>
+              <a:t>рисунке</a:t>
+            </a:r>
+            <a:r>
+              <a:rPr lang="en-US" sz="1200" kern="1200" dirty="0" smtClean="0">
+                <a:solidFill>
+                  <a:schemeClr val="tx1"/>
+                </a:solidFill>
+                <a:effectLst/>
+                <a:latin typeface="+mn-lt"/>
+                <a:ea typeface="+mn-ea"/>
+                <a:cs typeface="+mn-cs"/>
+              </a:rPr>
+              <a:t> </a:t>
+            </a:r>
+            <a:endParaRPr lang="ru-RU" dirty="0"/>
           </a:p>
         </p:txBody>
       </p:sp>
@@ -5454,78 +5553,18 @@
           <a:bodyPr/>
           <a:lstStyle/>
           <a:p>
-            <a:pPr marL="0" marR="0" lvl="0" indent="0" algn="r" defTabSz="457200" rtl="0" eaLnBrk="1" fontAlgn="auto" latinLnBrk="0" hangingPunct="1">
-              <a:lnSpc>
-                <a:spcPct val="100000"/>
-              </a:lnSpc>
-              <a:spcBef>
-                <a:spcPts val="0"/>
-              </a:spcBef>
-              <a:spcAft>
-                <a:spcPts val="0"/>
-              </a:spcAft>
-              <a:buClrTx/>
-              <a:buSzTx/>
-              <a:buFontTx/>
-              <a:buNone/>
-              <a:tabLst/>
-              <a:defRPr/>
-            </a:pPr>
-            <a:fld id="{112C4D7C-9D89-4F49-9081-09888D40BD1E}" type="slidenum">
-              <a:rPr kumimoji="0" lang="ru-RU" sz="1200" b="0" i="0" u="none" strike="noStrike" kern="1200" cap="none" spc="0" normalizeH="0" baseline="0" noProof="0" smtClean="0">
-                <a:ln>
-                  <a:noFill/>
-                </a:ln>
-                <a:solidFill>
-                  <a:prstClr val="black"/>
-                </a:solidFill>
-                <a:effectLst/>
-                <a:uLnTx/>
-                <a:uFillTx/>
-                <a:latin typeface="Calibri"/>
-                <a:ea typeface="+mn-ea"/>
-                <a:cs typeface="+mn-cs"/>
-              </a:rPr>
-              <a:pPr marL="0" marR="0" lvl="0" indent="0" algn="r" defTabSz="457200" rtl="0" eaLnBrk="1" fontAlgn="auto" latinLnBrk="0" hangingPunct="1">
-                <a:lnSpc>
-                  <a:spcPct val="100000"/>
-                </a:lnSpc>
-                <a:spcBef>
-                  <a:spcPts val="0"/>
-                </a:spcBef>
-                <a:spcAft>
-                  <a:spcPts val="0"/>
-                </a:spcAft>
-                <a:buClrTx/>
-                <a:buSzTx/>
-                <a:buFontTx/>
-                <a:buNone/>
-                <a:tabLst/>
-                <a:defRPr/>
-              </a:pPr>
-              <a:t>8</a:t>
+            <a:fld id="{CAE4845F-1871-4586-9DE7-D6CB3B74C965}" type="slidenum">
+              <a:rPr lang="ru-RU" smtClean="0"/>
+              <a:t>7</a:t>
             </a:fld>
-            <a:endParaRPr kumimoji="0" lang="ru-RU" sz="1200" b="0" i="0" u="none" strike="noStrike" kern="1200" cap="none" spc="0" normalizeH="0" baseline="0" noProof="0">
-              <a:ln>
-                <a:noFill/>
-              </a:ln>
-              <a:solidFill>
-                <a:prstClr val="black"/>
-              </a:solidFill>
-              <a:effectLst/>
-              <a:uLnTx/>
-              <a:uFillTx/>
-              <a:latin typeface="Calibri"/>
-              <a:ea typeface="+mn-ea"/>
-              <a:cs typeface="+mn-cs"/>
-            </a:endParaRPr>
+            <a:endParaRPr lang="ru-RU"/>
           </a:p>
         </p:txBody>
       </p:sp>
     </p:spTree>
     <p:extLst>
       <p:ext uri="{BB962C8B-B14F-4D97-AF65-F5344CB8AC3E}">
-        <p14:creationId xmlns:p14="http://schemas.microsoft.com/office/powerpoint/2010/main" val="2509659653"/>
+        <p14:creationId xmlns:p14="http://schemas.microsoft.com/office/powerpoint/2010/main" val="151252891"/>
       </p:ext>
     </p:extLst>
   </p:cSld>
@@ -5580,30 +5619,199 @@
           <a:lstStyle/>
           <a:p>
             <a:r>
-              <a:rPr lang="ru-RU" dirty="0" smtClean="0"/>
-              <a:t>На рисунке 2 представлено</a:t>
-            </a:r>
-            <a:r>
-              <a:rPr lang="ru-RU" baseline="0" dirty="0" smtClean="0"/>
-              <a:t> стартовое окно.</a:t>
-            </a:r>
-          </a:p>
-          <a:p>
-            <a:r>
-              <a:rPr lang="ru-RU" dirty="0" smtClean="0"/>
-              <a:t>На рисунке 3 окно</a:t>
-            </a:r>
-            <a:r>
-              <a:rPr lang="ru-RU" baseline="0" dirty="0" smtClean="0"/>
-              <a:t> моделирования продольных колебаний</a:t>
-            </a:r>
-            <a:r>
-              <a:rPr lang="ru-RU" dirty="0" smtClean="0"/>
+              <a:rPr lang="ru-RU" sz="1200" kern="1200" dirty="0" smtClean="0">
+                <a:solidFill>
+                  <a:schemeClr val="tx1"/>
+                </a:solidFill>
+                <a:effectLst/>
+                <a:latin typeface="+mn-lt"/>
+                <a:ea typeface="+mn-ea"/>
+                <a:cs typeface="+mn-cs"/>
+              </a:rPr>
+              <a:t>Разрабатываемая программа с графическим интерфейсом предназначена для расчёта опасных режимов эксплуатации стержня с помощью его моделирования и для дальнейшего отображения полученных результатов на экране. Такое моделирование даёт возможность оценить характеристики  будущих стержневых элементов конструкции, их прочность и долговечность ещё на этапе их проектирования.</a:t>
+            </a:r>
+          </a:p>
+          <a:p>
+            <a:pPr marL="0" marR="0" indent="0" algn="l" defTabSz="914400" rtl="0" eaLnBrk="1" fontAlgn="auto" latinLnBrk="0" hangingPunct="1">
+              <a:lnSpc>
+                <a:spcPct val="100000"/>
+              </a:lnSpc>
+              <a:spcBef>
+                <a:spcPts val="0"/>
+              </a:spcBef>
+              <a:spcAft>
+                <a:spcPts val="0"/>
+              </a:spcAft>
+              <a:buClrTx/>
+              <a:buSzTx/>
+              <a:buFontTx/>
+              <a:buNone/>
+              <a:tabLst/>
+              <a:defRPr/>
+            </a:pPr>
+            <a:r>
+              <a:rPr lang="ru-RU" sz="1200" kern="1200" dirty="0" smtClean="0">
+                <a:solidFill>
+                  <a:schemeClr val="tx1"/>
+                </a:solidFill>
+                <a:effectLst/>
+                <a:latin typeface="+mn-lt"/>
+                <a:ea typeface="+mn-ea"/>
+                <a:cs typeface="+mn-cs"/>
+              </a:rPr>
+              <a:t>В качестве языка программирования для реализации модели был выбран язык </a:t>
+            </a:r>
+            <a:r>
+              <a:rPr lang="ru-RU" sz="1200" kern="1200" dirty="0" err="1" smtClean="0">
+                <a:solidFill>
+                  <a:schemeClr val="tx1"/>
+                </a:solidFill>
+                <a:effectLst/>
+                <a:latin typeface="+mn-lt"/>
+                <a:ea typeface="+mn-ea"/>
+                <a:cs typeface="+mn-cs"/>
+              </a:rPr>
+              <a:t>Python</a:t>
+            </a:r>
+            <a:r>
+              <a:rPr lang="ru-RU" sz="1200" kern="1200" dirty="0" smtClean="0">
+                <a:solidFill>
+                  <a:schemeClr val="tx1"/>
+                </a:solidFill>
+                <a:effectLst/>
+                <a:latin typeface="+mn-lt"/>
+                <a:ea typeface="+mn-ea"/>
+                <a:cs typeface="+mn-cs"/>
+              </a:rPr>
               <a:t>.</a:t>
             </a:r>
           </a:p>
           <a:p>
-            <a:endParaRPr lang="ru-RU" dirty="0"/>
+            <a:pPr marL="0" marR="0" indent="0" algn="l" defTabSz="914400" rtl="0" eaLnBrk="1" fontAlgn="auto" latinLnBrk="0" hangingPunct="1">
+              <a:lnSpc>
+                <a:spcPct val="100000"/>
+              </a:lnSpc>
+              <a:spcBef>
+                <a:spcPts val="0"/>
+              </a:spcBef>
+              <a:spcAft>
+                <a:spcPts val="0"/>
+              </a:spcAft>
+              <a:buClrTx/>
+              <a:buSzTx/>
+              <a:buFontTx/>
+              <a:buNone/>
+              <a:tabLst/>
+              <a:defRPr/>
+            </a:pPr>
+            <a:endParaRPr lang="ru-RU" sz="1200" kern="1200" dirty="0" smtClean="0">
+              <a:solidFill>
+                <a:schemeClr val="tx1"/>
+              </a:solidFill>
+              <a:effectLst/>
+              <a:latin typeface="+mn-lt"/>
+              <a:ea typeface="+mn-ea"/>
+              <a:cs typeface="+mn-cs"/>
+            </a:endParaRPr>
+          </a:p>
+          <a:p>
+            <a:pPr marL="0" marR="0" indent="0" algn="l" defTabSz="914400" rtl="0" eaLnBrk="1" fontAlgn="auto" latinLnBrk="0" hangingPunct="1">
+              <a:lnSpc>
+                <a:spcPct val="100000"/>
+              </a:lnSpc>
+              <a:spcBef>
+                <a:spcPts val="0"/>
+              </a:spcBef>
+              <a:spcAft>
+                <a:spcPts val="0"/>
+              </a:spcAft>
+              <a:buClrTx/>
+              <a:buSzTx/>
+              <a:buFontTx/>
+              <a:buNone/>
+              <a:tabLst/>
+              <a:defRPr/>
+            </a:pPr>
+            <a:r>
+              <a:rPr lang="ru-RU" sz="1200" kern="1200" dirty="0" smtClean="0">
+                <a:solidFill>
+                  <a:schemeClr val="tx1"/>
+                </a:solidFill>
+                <a:effectLst/>
+                <a:latin typeface="+mn-lt"/>
+                <a:ea typeface="+mn-ea"/>
+                <a:cs typeface="+mn-cs"/>
+              </a:rPr>
+              <a:t>На рисунке</a:t>
+            </a:r>
+            <a:r>
+              <a:rPr lang="ru-RU" sz="1200" kern="1200" baseline="0" dirty="0" smtClean="0">
+                <a:solidFill>
+                  <a:schemeClr val="tx1"/>
+                </a:solidFill>
+                <a:effectLst/>
+                <a:latin typeface="+mn-lt"/>
+                <a:ea typeface="+mn-ea"/>
+                <a:cs typeface="+mn-cs"/>
+              </a:rPr>
+              <a:t> 1 представлена блок схема работы программы</a:t>
+            </a:r>
+          </a:p>
+          <a:p>
+            <a:pPr marL="0" marR="0" indent="0" algn="l" defTabSz="914400" rtl="0" eaLnBrk="1" fontAlgn="auto" latinLnBrk="0" hangingPunct="1">
+              <a:lnSpc>
+                <a:spcPct val="100000"/>
+              </a:lnSpc>
+              <a:spcBef>
+                <a:spcPts val="0"/>
+              </a:spcBef>
+              <a:spcAft>
+                <a:spcPts val="0"/>
+              </a:spcAft>
+              <a:buClrTx/>
+              <a:buSzTx/>
+              <a:buFontTx/>
+              <a:buNone/>
+              <a:tabLst/>
+              <a:defRPr/>
+            </a:pPr>
+            <a:endParaRPr lang="ru-RU" sz="1200" kern="1200" dirty="0" smtClean="0">
+              <a:solidFill>
+                <a:schemeClr val="tx1"/>
+              </a:solidFill>
+              <a:effectLst/>
+              <a:latin typeface="+mn-lt"/>
+              <a:ea typeface="+mn-ea"/>
+              <a:cs typeface="+mn-cs"/>
+            </a:endParaRPr>
+          </a:p>
+          <a:p>
+            <a:pPr marL="0" marR="0" indent="0" algn="l" defTabSz="914400" rtl="0" eaLnBrk="1" fontAlgn="auto" latinLnBrk="0" hangingPunct="1">
+              <a:lnSpc>
+                <a:spcPct val="100000"/>
+              </a:lnSpc>
+              <a:spcBef>
+                <a:spcPts val="0"/>
+              </a:spcBef>
+              <a:spcAft>
+                <a:spcPts val="0"/>
+              </a:spcAft>
+              <a:buClrTx/>
+              <a:buSzTx/>
+              <a:buFontTx/>
+              <a:buNone/>
+              <a:tabLst/>
+              <a:defRPr/>
+            </a:pPr>
+            <a:endParaRPr lang="ru-RU" sz="1200" kern="1200" dirty="0" smtClean="0">
+              <a:solidFill>
+                <a:schemeClr val="tx1"/>
+              </a:solidFill>
+              <a:effectLst/>
+              <a:latin typeface="+mn-lt"/>
+              <a:ea typeface="+mn-ea"/>
+              <a:cs typeface="+mn-cs"/>
+            </a:endParaRPr>
           </a:p>
         </p:txBody>
       </p:sp>
@@ -5671,7 +5879,7 @@
                 <a:tabLst/>
                 <a:defRPr/>
               </a:pPr>
-              <a:t>9</a:t>
+              <a:t>8</a:t>
             </a:fld>
             <a:endParaRPr kumimoji="0" lang="ru-RU" sz="1200" b="0" i="0" u="none" strike="noStrike" kern="1200" cap="none" spc="0" normalizeH="0" baseline="0" noProof="0">
               <a:ln>
@@ -5693,7 +5901,7 @@
     </p:spTree>
     <p:extLst>
       <p:ext uri="{BB962C8B-B14F-4D97-AF65-F5344CB8AC3E}">
-        <p14:creationId xmlns:p14="http://schemas.microsoft.com/office/powerpoint/2010/main" val="2265027874"/>
+        <p14:creationId xmlns:p14="http://schemas.microsoft.com/office/powerpoint/2010/main" val="2509659653"/>
       </p:ext>
     </p:extLst>
   </p:cSld>
@@ -5747,91 +5955,28 @@
           <a:bodyPr/>
           <a:lstStyle/>
           <a:p>
-            <a:pPr marL="0" marR="0" indent="0" algn="l" defTabSz="914400" rtl="0" eaLnBrk="1" fontAlgn="auto" latinLnBrk="0" hangingPunct="1">
-              <a:lnSpc>
-                <a:spcPct val="100000"/>
-              </a:lnSpc>
-              <a:spcBef>
-                <a:spcPts val="0"/>
-              </a:spcBef>
-              <a:spcAft>
-                <a:spcPts val="0"/>
-              </a:spcAft>
-              <a:buClrTx/>
-              <a:buSzTx/>
-              <a:buFontTx/>
-              <a:buNone/>
-              <a:tabLst/>
-              <a:defRPr/>
-            </a:pPr>
             <a:r>
               <a:rPr lang="ru-RU" dirty="0" smtClean="0"/>
-              <a:t>Рисунок</a:t>
+              <a:t>На рисунке 2 представлено</a:t>
             </a:r>
             <a:r>
               <a:rPr lang="ru-RU" baseline="0" dirty="0" smtClean="0"/>
-              <a:t> 4 и 5 отображают результат работы программы.</a:t>
-            </a:r>
-          </a:p>
-          <a:p>
-            <a:pPr marL="0" marR="0" indent="0" algn="l" defTabSz="914400" rtl="0" eaLnBrk="1" fontAlgn="auto" latinLnBrk="0" hangingPunct="1">
-              <a:lnSpc>
-                <a:spcPct val="100000"/>
-              </a:lnSpc>
-              <a:spcBef>
-                <a:spcPts val="0"/>
-              </a:spcBef>
-              <a:spcAft>
-                <a:spcPts val="0"/>
-              </a:spcAft>
-              <a:buClrTx/>
-              <a:buSzTx/>
-              <a:buFontTx/>
-              <a:buNone/>
-              <a:tabLst/>
-              <a:defRPr/>
-            </a:pPr>
+              <a:t> стартовое окно.</a:t>
+            </a:r>
+          </a:p>
+          <a:p>
+            <a:r>
+              <a:rPr lang="ru-RU" dirty="0" smtClean="0"/>
+              <a:t>На рисунке 3 окно</a:t>
+            </a:r>
             <a:r>
               <a:rPr lang="ru-RU" baseline="0" dirty="0" smtClean="0"/>
-              <a:t>Все р</a:t>
-            </a:r>
-            <a:r>
-              <a:rPr lang="ru-RU" sz="1200" kern="1200" dirty="0" smtClean="0">
-                <a:solidFill>
-                  <a:schemeClr val="tx1"/>
-                </a:solidFill>
-                <a:effectLst/>
-                <a:latin typeface="+mn-lt"/>
-                <a:ea typeface="+mn-ea"/>
-                <a:cs typeface="+mn-cs"/>
-              </a:rPr>
-              <a:t>асчеты проводились</a:t>
-            </a:r>
-            <a:r>
-              <a:rPr lang="ru-RU" sz="1200" kern="1200" baseline="0" dirty="0" smtClean="0">
-                <a:solidFill>
-                  <a:schemeClr val="tx1"/>
-                </a:solidFill>
-                <a:effectLst/>
-                <a:latin typeface="+mn-lt"/>
-                <a:ea typeface="+mn-ea"/>
-                <a:cs typeface="+mn-cs"/>
-              </a:rPr>
-              <a:t> для модельных безразмерных параметров.</a:t>
-            </a:r>
-            <a:r>
-              <a:rPr lang="ru-RU" sz="1200" kern="1200" dirty="0" smtClean="0">
-                <a:solidFill>
-                  <a:schemeClr val="tx1"/>
-                </a:solidFill>
-                <a:effectLst/>
-                <a:latin typeface="+mn-lt"/>
-                <a:ea typeface="+mn-ea"/>
-                <a:cs typeface="+mn-cs"/>
-              </a:rPr>
-              <a:t> </a:t>
-            </a:r>
-            <a:endParaRPr lang="ru-RU" dirty="0" smtClean="0"/>
+              <a:t> моделирования продольных колебаний</a:t>
+            </a:r>
+            <a:r>
+              <a:rPr lang="ru-RU" dirty="0" smtClean="0"/>
+              <a:t>.</a:t>
+            </a:r>
           </a:p>
           <a:p>
             <a:endParaRPr lang="ru-RU" dirty="0"/>
@@ -5902,7 +6047,7 @@
                 <a:tabLst/>
                 <a:defRPr/>
               </a:pPr>
-              <a:t>10</a:t>
+              <a:t>9</a:t>
             </a:fld>
             <a:endParaRPr kumimoji="0" lang="ru-RU" sz="1200" b="0" i="0" u="none" strike="noStrike" kern="1200" cap="none" spc="0" normalizeH="0" baseline="0" noProof="0">
               <a:ln>
@@ -5924,7 +6069,7 @@
     </p:spTree>
     <p:extLst>
       <p:ext uri="{BB962C8B-B14F-4D97-AF65-F5344CB8AC3E}">
-        <p14:creationId xmlns:p14="http://schemas.microsoft.com/office/powerpoint/2010/main" val="3633844123"/>
+        <p14:creationId xmlns:p14="http://schemas.microsoft.com/office/powerpoint/2010/main" val="2265027874"/>
       </p:ext>
     </p:extLst>
   </p:cSld>
@@ -6120,7 +6265,7 @@
           <a:p>
             <a:fld id="{4AAD347D-5ACD-4C99-B74B-A9C85AD731AF}" type="datetimeFigureOut">
               <a:rPr lang="en-US" dirty="0"/>
-              <a:t>5/22/2022</a:t>
+              <a:t>5/23/2022</a:t>
             </a:fld>
             <a:endParaRPr lang="en-US" dirty="0"/>
           </a:p>
@@ -6402,7 +6547,7 @@
           <a:p>
             <a:fld id="{4509A250-FF31-4206-8172-F9D3106AACB1}" type="datetimeFigureOut">
               <a:rPr lang="en-US" dirty="0"/>
-              <a:t>5/22/2022</a:t>
+              <a:t>5/23/2022</a:t>
             </a:fld>
             <a:endParaRPr lang="en-US" dirty="0"/>
           </a:p>
@@ -6603,7 +6748,7 @@
           <a:p>
             <a:fld id="{4509A250-FF31-4206-8172-F9D3106AACB1}" type="datetimeFigureOut">
               <a:rPr lang="en-US" dirty="0"/>
-              <a:t>5/22/2022</a:t>
+              <a:t>5/23/2022</a:t>
             </a:fld>
             <a:endParaRPr lang="en-US" dirty="0"/>
           </a:p>
@@ -6883,7 +7028,7 @@
           <a:p>
             <a:fld id="{4509A250-FF31-4206-8172-F9D3106AACB1}" type="datetimeFigureOut">
               <a:rPr lang="en-US" dirty="0"/>
-              <a:t>5/22/2022</a:t>
+              <a:t>5/23/2022</a:t>
             </a:fld>
             <a:endParaRPr lang="en-US" dirty="0"/>
           </a:p>
@@ -7231,7 +7376,7 @@
           <a:p>
             <a:fld id="{4509A250-FF31-4206-8172-F9D3106AACB1}" type="datetimeFigureOut">
               <a:rPr lang="en-US" dirty="0"/>
-              <a:t>5/22/2022</a:t>
+              <a:t>5/23/2022</a:t>
             </a:fld>
             <a:endParaRPr lang="en-US" dirty="0"/>
           </a:p>
@@ -7861,7 +8006,7 @@
           <a:p>
             <a:fld id="{4509A250-FF31-4206-8172-F9D3106AACB1}" type="datetimeFigureOut">
               <a:rPr lang="en-US" dirty="0"/>
-              <a:t>5/22/2022</a:t>
+              <a:t>5/23/2022</a:t>
             </a:fld>
             <a:endParaRPr lang="en-US" dirty="0"/>
           </a:p>
@@ -8728,7 +8873,7 @@
           <a:p>
             <a:fld id="{4509A250-FF31-4206-8172-F9D3106AACB1}" type="datetimeFigureOut">
               <a:rPr lang="en-US" dirty="0"/>
-              <a:t>5/22/2022</a:t>
+              <a:t>5/23/2022</a:t>
             </a:fld>
             <a:endParaRPr lang="en-US" dirty="0"/>
           </a:p>
@@ -8905,7 +9050,7 @@
           <a:p>
             <a:fld id="{4509A250-FF31-4206-8172-F9D3106AACB1}" type="datetimeFigureOut">
               <a:rPr lang="en-US" dirty="0"/>
-              <a:t>5/22/2022</a:t>
+              <a:t>5/23/2022</a:t>
             </a:fld>
             <a:endParaRPr lang="en-US" dirty="0"/>
           </a:p>
@@ -9092,7 +9237,7 @@
           <a:p>
             <a:fld id="{4509A250-FF31-4206-8172-F9D3106AACB1}" type="datetimeFigureOut">
               <a:rPr lang="en-US" dirty="0"/>
-              <a:t>5/22/2022</a:t>
+              <a:t>5/23/2022</a:t>
             </a:fld>
             <a:endParaRPr lang="en-US" dirty="0"/>
           </a:p>
@@ -9269,7 +9414,7 @@
           <a:p>
             <a:fld id="{4509A250-FF31-4206-8172-F9D3106AACB1}" type="datetimeFigureOut">
               <a:rPr lang="en-US" dirty="0"/>
-              <a:t>5/22/2022</a:t>
+              <a:t>5/23/2022</a:t>
             </a:fld>
             <a:endParaRPr lang="en-US" dirty="0"/>
           </a:p>
@@ -9523,7 +9668,7 @@
           <a:p>
             <a:fld id="{9796027F-7875-4030-9381-8BD8C4F21935}" type="datetimeFigureOut">
               <a:rPr lang="en-US" dirty="0"/>
-              <a:t>5/22/2022</a:t>
+              <a:t>5/23/2022</a:t>
             </a:fld>
             <a:endParaRPr lang="en-US" dirty="0"/>
           </a:p>
@@ -9822,7 +9967,7 @@
           <a:p>
             <a:fld id="{9796027F-7875-4030-9381-8BD8C4F21935}" type="datetimeFigureOut">
               <a:rPr lang="en-US" dirty="0"/>
-              <a:t>5/22/2022</a:t>
+              <a:t>5/23/2022</a:t>
             </a:fld>
             <a:endParaRPr lang="en-US" dirty="0"/>
           </a:p>
@@ -10273,7 +10418,7 @@
           <a:p>
             <a:fld id="{9796027F-7875-4030-9381-8BD8C4F21935}" type="datetimeFigureOut">
               <a:rPr lang="en-US" dirty="0"/>
-              <a:t>5/22/2022</a:t>
+              <a:t>5/23/2022</a:t>
             </a:fld>
             <a:endParaRPr lang="en-US" dirty="0"/>
           </a:p>
@@ -10398,7 +10543,7 @@
           <a:p>
             <a:fld id="{4509A250-FF31-4206-8172-F9D3106AACB1}" type="datetimeFigureOut">
               <a:rPr lang="en-US" dirty="0"/>
-              <a:t>5/22/2022</a:t>
+              <a:t>5/23/2022</a:t>
             </a:fld>
             <a:endParaRPr lang="en-US" dirty="0"/>
           </a:p>
@@ -10500,7 +10645,7 @@
           <a:p>
             <a:fld id="{4509A250-FF31-4206-8172-F9D3106AACB1}" type="datetimeFigureOut">
               <a:rPr lang="en-US" dirty="0"/>
-              <a:t>5/22/2022</a:t>
+              <a:t>5/23/2022</a:t>
             </a:fld>
             <a:endParaRPr lang="en-US" dirty="0"/>
           </a:p>
@@ -10786,7 +10931,7 @@
           <a:p>
             <a:fld id="{4509A250-FF31-4206-8172-F9D3106AACB1}" type="datetimeFigureOut">
               <a:rPr lang="en-US" dirty="0"/>
-              <a:t>5/22/2022</a:t>
+              <a:t>5/23/2022</a:t>
             </a:fld>
             <a:endParaRPr lang="en-US" dirty="0"/>
           </a:p>
@@ -11068,7 +11213,7 @@
           <a:p>
             <a:fld id="{4509A250-FF31-4206-8172-F9D3106AACB1}" type="datetimeFigureOut">
               <a:rPr lang="en-US" dirty="0"/>
-              <a:t>5/22/2022</a:t>
+              <a:t>5/23/2022</a:t>
             </a:fld>
             <a:endParaRPr lang="en-US" dirty="0"/>
           </a:p>
@@ -11504,7 +11649,7 @@
           <a:p>
             <a:fld id="{4AAD347D-5ACD-4C99-B74B-A9C85AD731AF}" type="datetimeFigureOut">
               <a:rPr lang="en-US" dirty="0"/>
-              <a:t>5/22/2022</a:t>
+              <a:t>5/23/2022</a:t>
             </a:fld>
             <a:endParaRPr lang="en-US" dirty="0"/>
           </a:p>
@@ -12142,11 +12287,7 @@
           <a:p>
             <a:r>
               <a:rPr lang="ru-RU" sz="2400" b="1" dirty="0" smtClean="0"/>
-              <a:t>Снетков </a:t>
-            </a:r>
-            <a:r>
-              <a:rPr lang="ru-RU" sz="2400" b="1" dirty="0" smtClean="0"/>
-              <a:t>Дмитрий Андреевич</a:t>
+              <a:t>Снетков Дмитрий Андреевич</a:t>
             </a:r>
           </a:p>
           <a:p>
@@ -12785,8 +12926,8 @@
         </p:nvSpPr>
         <p:spPr>
           <a:xfrm>
-            <a:off x="1407956" y="657718"/>
-            <a:ext cx="8628610" cy="923330"/>
+            <a:off x="1407956" y="1051614"/>
+            <a:ext cx="8628610" cy="646331"/>
           </a:xfrm>
           <a:prstGeom prst="rect">
             <a:avLst/>
@@ -12801,19 +12942,14 @@
           <a:p>
             <a:r>
               <a:rPr lang="ru-RU" dirty="0"/>
-              <a:t>Стержневые элементы являются составляющими многих строительных и инженерных конструкций</a:t>
-            </a:r>
-            <a:r>
-              <a:rPr lang="ru-RU" dirty="0" smtClean="0"/>
-              <a:t>. Одними из таких составляющих являются сваи.</a:t>
-            </a:r>
-            <a:endParaRPr lang="ru-RU" dirty="0"/>
+              <a:t>Стержневые элементы повсеместно применяются во всех сферах жизни, которые нас окружают. </a:t>
+            </a:r>
           </a:p>
         </p:txBody>
       </p:sp>
       <p:pic>
         <p:nvPicPr>
-          <p:cNvPr id="19" name="Рисунок 18"/>
+          <p:cNvPr id="2" name="Рисунок 1"/>
           <p:cNvPicPr>
             <a:picLocks noChangeAspect="1"/>
           </p:cNvPicPr>
@@ -12833,14 +12969,137 @@
         </p:blipFill>
         <p:spPr>
           <a:xfrm>
-            <a:off x="485880" y="2864417"/>
-            <a:ext cx="6109309" cy="3863774"/>
+            <a:off x="1056264" y="2194559"/>
+            <a:ext cx="3009300" cy="3009300"/>
+          </a:xfrm>
+          <a:prstGeom prst="ellipse">
+            <a:avLst/>
+          </a:prstGeom>
+          <a:ln w="63500" cap="rnd">
+            <a:solidFill>
+              <a:srgbClr val="333333"/>
+            </a:solidFill>
+          </a:ln>
+          <a:effectLst>
+            <a:outerShdw blurRad="381000" dist="292100" dir="5400000" sx="-80000" sy="-18000" rotWithShape="0">
+              <a:srgbClr val="000000">
+                <a:alpha val="22000"/>
+              </a:srgbClr>
+            </a:outerShdw>
+          </a:effectLst>
+          <a:scene3d>
+            <a:camera prst="orthographicFront"/>
+            <a:lightRig rig="contrasting" dir="t">
+              <a:rot lat="0" lon="0" rev="3000000"/>
+            </a:lightRig>
+          </a:scene3d>
+          <a:sp3d contourW="7620">
+            <a:bevelT w="95250" h="31750"/>
+            <a:contourClr>
+              <a:srgbClr val="333333"/>
+            </a:contourClr>
+          </a:sp3d>
+        </p:spPr>
+      </p:pic>
+      <p:pic>
+        <p:nvPicPr>
+          <p:cNvPr id="3" name="Рисунок 2"/>
+          <p:cNvPicPr>
+            <a:picLocks noChangeAspect="1"/>
+          </p:cNvPicPr>
+          <p:nvPr/>
+        </p:nvPicPr>
+        <p:blipFill>
+          <a:blip r:embed="rId4">
+            <a:extLst>
+              <a:ext uri="{28A0092B-C50C-407E-A947-70E740481C1C}">
+                <a14:useLocalDpi xmlns:a14="http://schemas.microsoft.com/office/drawing/2010/main" val="0"/>
+              </a:ext>
+            </a:extLst>
+          </a:blip>
+          <a:stretch>
+            <a:fillRect/>
+          </a:stretch>
+        </p:blipFill>
+        <p:spPr>
+          <a:xfrm>
+            <a:off x="4532706" y="2224411"/>
+            <a:ext cx="4286250" cy="2724150"/>
+          </a:xfrm>
+          <a:prstGeom prst="rect">
+            <a:avLst/>
+          </a:prstGeom>
+          <a:ln>
+            <a:noFill/>
+          </a:ln>
+          <a:effectLst>
+            <a:softEdge rad="127000"/>
+          </a:effectLst>
+        </p:spPr>
+      </p:pic>
+      <p:pic>
+        <p:nvPicPr>
+          <p:cNvPr id="19" name="Рисунок 18"/>
+          <p:cNvPicPr>
+            <a:picLocks noChangeAspect="1"/>
+          </p:cNvPicPr>
+          <p:nvPr/>
+        </p:nvPicPr>
+        <p:blipFill>
+          <a:blip r:embed="rId5">
+            <a:extLst>
+              <a:ext uri="{28A0092B-C50C-407E-A947-70E740481C1C}">
+                <a14:useLocalDpi xmlns:a14="http://schemas.microsoft.com/office/drawing/2010/main" val="0"/>
+              </a:ext>
+            </a:extLst>
+          </a:blip>
+          <a:stretch>
+            <a:fillRect/>
+          </a:stretch>
+        </p:blipFill>
+        <p:spPr>
+          <a:xfrm>
+            <a:off x="5477706" y="2691172"/>
+            <a:ext cx="4401766" cy="2783855"/>
           </a:xfrm>
           <a:prstGeom prst="rect">
             <a:avLst/>
           </a:prstGeom>
           <a:effectLst>
-            <a:softEdge rad="330200"/>
+            <a:softEdge rad="127000"/>
+          </a:effectLst>
+        </p:spPr>
+      </p:pic>
+      <p:pic>
+        <p:nvPicPr>
+          <p:cNvPr id="4" name="Рисунок 3"/>
+          <p:cNvPicPr>
+            <a:picLocks noChangeAspect="1"/>
+          </p:cNvPicPr>
+          <p:nvPr/>
+        </p:nvPicPr>
+        <p:blipFill>
+          <a:blip r:embed="rId6">
+            <a:extLst>
+              <a:ext uri="{28A0092B-C50C-407E-A947-70E740481C1C}">
+                <a14:useLocalDpi xmlns:a14="http://schemas.microsoft.com/office/drawing/2010/main" val="0"/>
+              </a:ext>
+            </a:extLst>
+          </a:blip>
+          <a:stretch>
+            <a:fillRect/>
+          </a:stretch>
+        </p:blipFill>
+        <p:spPr>
+          <a:xfrm>
+            <a:off x="6375195" y="3217026"/>
+            <a:ext cx="4566680" cy="3045976"/>
+          </a:xfrm>
+          <a:prstGeom prst="rect">
+            <a:avLst/>
+          </a:prstGeom>
+          <a:effectLst>
+            <a:softEdge rad="127000"/>
           </a:effectLst>
         </p:spPr>
       </p:pic>
@@ -12869,7 +13128,189 @@
   <p:timing>
     <p:tnLst>
       <p:par>
-        <p:cTn id="1" dur="indefinite" restart="never" nodeType="tmRoot"/>
+        <p:cTn id="1" dur="indefinite" restart="never" nodeType="tmRoot">
+          <p:childTnLst>
+            <p:seq concurrent="1" nextAc="seek">
+              <p:cTn id="2" dur="indefinite" nodeType="mainSeq">
+                <p:childTnLst>
+                  <p:par>
+                    <p:cTn id="3" fill="hold">
+                      <p:stCondLst>
+                        <p:cond delay="indefinite"/>
+                      </p:stCondLst>
+                      <p:childTnLst>
+                        <p:par>
+                          <p:cTn id="4" fill="hold">
+                            <p:stCondLst>
+                              <p:cond delay="0"/>
+                            </p:stCondLst>
+                            <p:childTnLst>
+                              <p:par>
+                                <p:cTn id="5" presetID="22" presetClass="entr" presetSubtype="4" fill="hold" nodeType="clickEffect">
+                                  <p:stCondLst>
+                                    <p:cond delay="0"/>
+                                  </p:stCondLst>
+                                  <p:childTnLst>
+                                    <p:set>
+                                      <p:cBhvr>
+                                        <p:cTn id="6" dur="1" fill="hold">
+                                          <p:stCondLst>
+                                            <p:cond delay="0"/>
+                                          </p:stCondLst>
+                                        </p:cTn>
+                                        <p:tgtEl>
+                                          <p:spTgt spid="3"/>
+                                        </p:tgtEl>
+                                        <p:attrNameLst>
+                                          <p:attrName>style.visibility</p:attrName>
+                                        </p:attrNameLst>
+                                      </p:cBhvr>
+                                      <p:to>
+                                        <p:strVal val="visible"/>
+                                      </p:to>
+                                    </p:set>
+                                    <p:animEffect transition="in" filter="wipe(down)">
+                                      <p:cBhvr>
+                                        <p:cTn id="7" dur="500"/>
+                                        <p:tgtEl>
+                                          <p:spTgt spid="3"/>
+                                        </p:tgtEl>
+                                      </p:cBhvr>
+                                    </p:animEffect>
+                                  </p:childTnLst>
+                                </p:cTn>
+                              </p:par>
+                            </p:childTnLst>
+                          </p:cTn>
+                        </p:par>
+                      </p:childTnLst>
+                    </p:cTn>
+                  </p:par>
+                  <p:par>
+                    <p:cTn id="8" fill="hold">
+                      <p:stCondLst>
+                        <p:cond delay="indefinite"/>
+                      </p:stCondLst>
+                      <p:childTnLst>
+                        <p:par>
+                          <p:cTn id="9" fill="hold">
+                            <p:stCondLst>
+                              <p:cond delay="0"/>
+                            </p:stCondLst>
+                            <p:childTnLst>
+                              <p:par>
+                                <p:cTn id="10" presetID="22" presetClass="entr" presetSubtype="1" fill="hold" nodeType="clickEffect">
+                                  <p:stCondLst>
+                                    <p:cond delay="600"/>
+                                  </p:stCondLst>
+                                  <p:childTnLst>
+                                    <p:set>
+                                      <p:cBhvr>
+                                        <p:cTn id="11" dur="1" fill="hold">
+                                          <p:stCondLst>
+                                            <p:cond delay="0"/>
+                                          </p:stCondLst>
+                                        </p:cTn>
+                                        <p:tgtEl>
+                                          <p:spTgt spid="19"/>
+                                        </p:tgtEl>
+                                        <p:attrNameLst>
+                                          <p:attrName>style.visibility</p:attrName>
+                                        </p:attrNameLst>
+                                      </p:cBhvr>
+                                      <p:to>
+                                        <p:strVal val="visible"/>
+                                      </p:to>
+                                    </p:set>
+                                    <p:animEffect transition="in" filter="wipe(up)">
+                                      <p:cBhvr>
+                                        <p:cTn id="12" dur="500"/>
+                                        <p:tgtEl>
+                                          <p:spTgt spid="19"/>
+                                        </p:tgtEl>
+                                      </p:cBhvr>
+                                    </p:animEffect>
+                                  </p:childTnLst>
+                                </p:cTn>
+                              </p:par>
+                            </p:childTnLst>
+                          </p:cTn>
+                        </p:par>
+                      </p:childTnLst>
+                    </p:cTn>
+                  </p:par>
+                  <p:par>
+                    <p:cTn id="13" fill="hold">
+                      <p:stCondLst>
+                        <p:cond delay="indefinite"/>
+                      </p:stCondLst>
+                      <p:childTnLst>
+                        <p:par>
+                          <p:cTn id="14" fill="hold">
+                            <p:stCondLst>
+                              <p:cond delay="0"/>
+                            </p:stCondLst>
+                            <p:childTnLst>
+                              <p:par>
+                                <p:cTn id="15" presetID="22" presetClass="entr" presetSubtype="1" fill="hold" nodeType="clickEffect">
+                                  <p:stCondLst>
+                                    <p:cond delay="1200"/>
+                                  </p:stCondLst>
+                                  <p:childTnLst>
+                                    <p:set>
+                                      <p:cBhvr>
+                                        <p:cTn id="16" dur="1" fill="hold">
+                                          <p:stCondLst>
+                                            <p:cond delay="0"/>
+                                          </p:stCondLst>
+                                        </p:cTn>
+                                        <p:tgtEl>
+                                          <p:spTgt spid="4"/>
+                                        </p:tgtEl>
+                                        <p:attrNameLst>
+                                          <p:attrName>style.visibility</p:attrName>
+                                        </p:attrNameLst>
+                                      </p:cBhvr>
+                                      <p:to>
+                                        <p:strVal val="visible"/>
+                                      </p:to>
+                                    </p:set>
+                                    <p:animEffect transition="in" filter="wipe(up)">
+                                      <p:cBhvr>
+                                        <p:cTn id="17" dur="500"/>
+                                        <p:tgtEl>
+                                          <p:spTgt spid="4"/>
+                                        </p:tgtEl>
+                                      </p:cBhvr>
+                                    </p:animEffect>
+                                  </p:childTnLst>
+                                </p:cTn>
+                              </p:par>
+                            </p:childTnLst>
+                          </p:cTn>
+                        </p:par>
+                      </p:childTnLst>
+                    </p:cTn>
+                  </p:par>
+                </p:childTnLst>
+              </p:cTn>
+              <p:prevCondLst>
+                <p:cond evt="onPrev" delay="0">
+                  <p:tgtEl>
+                    <p:sldTgt/>
+                  </p:tgtEl>
+                </p:cond>
+              </p:prevCondLst>
+              <p:nextCondLst>
+                <p:cond evt="onNext" delay="0">
+                  <p:tgtEl>
+                    <p:sldTgt/>
+                  </p:tgtEl>
+                </p:cond>
+              </p:nextCondLst>
+            </p:seq>
+          </p:childTnLst>
+        </p:cTn>
       </p:par>
     </p:tnLst>
   </p:timing>
@@ -13698,7 +14139,7 @@
           <a:graphicData uri="http://schemas.openxmlformats.org/presentationml/2006/ole">
             <mc:AlternateContent xmlns:mc="http://schemas.openxmlformats.org/markup-compatibility/2006">
               <mc:Choice xmlns:v="urn:schemas-microsoft-com:vml" Requires="v">
-                <p:oleObj spid="_x0000_s8372" name="Equation" r:id="rId5" imgW="4152600" imgH="482400" progId="Equation.DSMT4">
+                <p:oleObj spid="_x0000_s8524" name="Equation" r:id="rId5" imgW="4152600" imgH="482400" progId="Equation.DSMT4">
                   <p:embed/>
                 </p:oleObj>
               </mc:Choice>
@@ -14011,7 +14452,7 @@
           <p:nvPr>
             <p:extLst>
               <p:ext uri="{D42A27DB-BD31-4B8C-83A1-F6EECF244321}">
-                <p14:modId xmlns:p14="http://schemas.microsoft.com/office/powerpoint/2010/main" val="1466491722"/>
+                <p14:modId xmlns:p14="http://schemas.microsoft.com/office/powerpoint/2010/main" val="394743574"/>
               </p:ext>
             </p:extLst>
           </p:nvPr>
@@ -14024,7 +14465,7 @@
           <a:graphicData uri="http://schemas.openxmlformats.org/presentationml/2006/ole">
             <mc:AlternateContent xmlns:mc="http://schemas.openxmlformats.org/markup-compatibility/2006">
               <mc:Choice xmlns:v="urn:schemas-microsoft-com:vml" Requires="v">
-                <p:oleObj spid="_x0000_s8373" name="Equation" r:id="rId8" imgW="1231560" imgH="266400" progId="Equation.DSMT4">
+                <p:oleObj spid="_x0000_s8525" name="Equation" r:id="rId8" imgW="1231560" imgH="266400" progId="Equation.DSMT4">
                   <p:embed/>
                 </p:oleObj>
               </mc:Choice>
@@ -15434,7 +15875,7 @@
         </p:nvSpPr>
         <p:spPr>
           <a:xfrm>
-            <a:off x="1104293" y="3578752"/>
+            <a:off x="1103686" y="3603099"/>
             <a:ext cx="10837010" cy="400110"/>
           </a:xfrm>
           <a:prstGeom prst="rect">
@@ -15503,7 +15944,7 @@
           <a:graphicData uri="http://schemas.openxmlformats.org/presentationml/2006/ole">
             <mc:AlternateContent xmlns:mc="http://schemas.openxmlformats.org/markup-compatibility/2006">
               <mc:Choice xmlns:v="urn:schemas-microsoft-com:vml" Requires="v">
-                <p:oleObj spid="_x0000_s9701" name="Equation" r:id="rId12" imgW="507960" imgH="215640" progId="Equation.DSMT4">
+                <p:oleObj spid="_x0000_s10157" name="Equation" r:id="rId12" imgW="507960" imgH="215640" progId="Equation.DSMT4">
                   <p:embed/>
                 </p:oleObj>
               </mc:Choice>
@@ -15586,7 +16027,7 @@
           <a:graphicData uri="http://schemas.openxmlformats.org/presentationml/2006/ole">
             <mc:AlternateContent xmlns:mc="http://schemas.openxmlformats.org/markup-compatibility/2006">
               <mc:Choice xmlns:v="urn:schemas-microsoft-com:vml" Requires="v">
-                <p:oleObj spid="_x0000_s9702" name="Equation" r:id="rId14" imgW="444240" imgH="190440" progId="Equation.DSMT4">
+                <p:oleObj spid="_x0000_s10158" name="Equation" r:id="rId14" imgW="444240" imgH="190440" progId="Equation.DSMT4">
                   <p:embed/>
                 </p:oleObj>
               </mc:Choice>
@@ -15669,7 +16110,7 @@
           <a:graphicData uri="http://schemas.openxmlformats.org/presentationml/2006/ole">
             <mc:AlternateContent xmlns:mc="http://schemas.openxmlformats.org/markup-compatibility/2006">
               <mc:Choice xmlns:v="urn:schemas-microsoft-com:vml" Requires="v">
-                <p:oleObj spid="_x0000_s9703" name="Equation" r:id="rId16" imgW="571320" imgH="457200" progId="Equation.DSMT4">
+                <p:oleObj spid="_x0000_s10159" name="Equation" r:id="rId16" imgW="571320" imgH="457200" progId="Equation.DSMT4">
                   <p:embed/>
                 </p:oleObj>
               </mc:Choice>
@@ -15726,7 +16167,7 @@
           <a:graphicData uri="http://schemas.openxmlformats.org/presentationml/2006/ole">
             <mc:AlternateContent xmlns:mc="http://schemas.openxmlformats.org/markup-compatibility/2006">
               <mc:Choice xmlns:v="urn:schemas-microsoft-com:vml" Requires="v">
-                <p:oleObj spid="_x0000_s9704" name="Equation" r:id="rId18" imgW="1205100" imgH="509570" progId="Equation.DSMT4">
+                <p:oleObj spid="_x0000_s10160" name="Equation" r:id="rId18" imgW="1205100" imgH="509570" progId="Equation.DSMT4">
                   <p:embed/>
                 </p:oleObj>
               </mc:Choice>
@@ -15783,7 +16224,7 @@
           <a:graphicData uri="http://schemas.openxmlformats.org/presentationml/2006/ole">
             <mc:AlternateContent xmlns:mc="http://schemas.openxmlformats.org/markup-compatibility/2006">
               <mc:Choice xmlns:v="urn:schemas-microsoft-com:vml" Requires="v">
-                <p:oleObj spid="_x0000_s9705" name="Equation" r:id="rId20" imgW="583920" imgH="482400" progId="Equation.DSMT4">
+                <p:oleObj spid="_x0000_s10161" name="Equation" r:id="rId20" imgW="583920" imgH="482400" progId="Equation.DSMT4">
                   <p:embed/>
                 </p:oleObj>
               </mc:Choice>
@@ -15840,7 +16281,7 @@
           <a:graphicData uri="http://schemas.openxmlformats.org/presentationml/2006/ole">
             <mc:AlternateContent xmlns:mc="http://schemas.openxmlformats.org/markup-compatibility/2006">
               <mc:Choice xmlns:v="urn:schemas-microsoft-com:vml" Requires="v">
-                <p:oleObj spid="_x0000_s9706" name="Equation" r:id="rId22" imgW="1085669" imgH="490451" progId="Equation.DSMT4">
+                <p:oleObj spid="_x0000_s10162" name="Equation" r:id="rId22" imgW="1085669" imgH="490451" progId="Equation.DSMT4">
                   <p:embed/>
                 </p:oleObj>
               </mc:Choice>
@@ -16911,7 +17352,7 @@
           <a:graphicData uri="http://schemas.openxmlformats.org/presentationml/2006/ole">
             <mc:AlternateContent xmlns:mc="http://schemas.openxmlformats.org/markup-compatibility/2006">
               <mc:Choice xmlns:v="urn:schemas-microsoft-com:vml" Requires="v">
-                <p:oleObj spid="_x0000_s6368" name="Equation" r:id="rId5" imgW="4952880" imgH="571320" progId="Equation.DSMT4">
+                <p:oleObj spid="_x0000_s6444" name="Equation" r:id="rId5" imgW="4952880" imgH="571320" progId="Equation.DSMT4">
                   <p:embed/>
                 </p:oleObj>
               </mc:Choice>
@@ -17765,7 +18206,7 @@
           <a:graphicData uri="http://schemas.openxmlformats.org/presentationml/2006/ole">
             <mc:AlternateContent xmlns:mc="http://schemas.openxmlformats.org/markup-compatibility/2006">
               <mc:Choice xmlns:v="urn:schemas-microsoft-com:vml" Requires="v">
-                <p:oleObj spid="_x0000_s10468" name="Equation" r:id="rId4" imgW="1269720" imgH="266400" progId="Equation.DSMT4">
+                <p:oleObj spid="_x0000_s10693" name="Equation" r:id="rId4" imgW="1269720" imgH="266400" progId="Equation.DSMT4">
                   <p:embed/>
                 </p:oleObj>
               </mc:Choice>
@@ -17822,7 +18263,7 @@
           <a:graphicData uri="http://schemas.openxmlformats.org/presentationml/2006/ole">
             <mc:AlternateContent xmlns:mc="http://schemas.openxmlformats.org/markup-compatibility/2006">
               <mc:Choice xmlns:v="urn:schemas-microsoft-com:vml" Requires="v">
-                <p:oleObj spid="_x0000_s10469" name="Equation" r:id="rId6" imgW="2705040" imgH="482400" progId="Equation.DSMT4">
+                <p:oleObj spid="_x0000_s10694" name="Equation" r:id="rId6" imgW="2705040" imgH="482400" progId="Equation.DSMT4">
                   <p:embed/>
                 </p:oleObj>
               </mc:Choice>
@@ -17909,7 +18350,7 @@
           <a:graphicData uri="http://schemas.openxmlformats.org/presentationml/2006/ole">
             <mc:AlternateContent xmlns:mc="http://schemas.openxmlformats.org/markup-compatibility/2006">
               <mc:Choice xmlns:v="urn:schemas-microsoft-com:vml" Requires="v">
-                <p:oleObj spid="_x0000_s10470" name="Equation" r:id="rId8" imgW="1434960" imgH="520560" progId="Equation.DSMT4">
+                <p:oleObj spid="_x0000_s10695" name="Equation" r:id="rId8" imgW="1434960" imgH="520560" progId="Equation.DSMT4">
                   <p:embed/>
                 </p:oleObj>
               </mc:Choice>
@@ -18103,7 +18544,7 @@
           <a:graphicData uri="http://schemas.openxmlformats.org/presentationml/2006/ole">
             <mc:AlternateContent xmlns:mc="http://schemas.openxmlformats.org/markup-compatibility/2006">
               <mc:Choice xmlns:v="urn:schemas-microsoft-com:vml" Requires="v">
-                <p:oleObj spid="_x0000_s12546" name="Equation" r:id="rId4" imgW="2286000" imgH="444240" progId="Equation.DSMT4">
+                <p:oleObj spid="_x0000_s12846" name="Equation" r:id="rId4" imgW="2286000" imgH="444240" progId="Equation.DSMT4">
                   <p:embed/>
                 </p:oleObj>
               </mc:Choice>
@@ -18160,7 +18601,7 @@
           <a:graphicData uri="http://schemas.openxmlformats.org/presentationml/2006/ole">
             <mc:AlternateContent xmlns:mc="http://schemas.openxmlformats.org/markup-compatibility/2006">
               <mc:Choice xmlns:v="urn:schemas-microsoft-com:vml" Requires="v">
-                <p:oleObj spid="_x0000_s12547" name="Equation" r:id="rId6" imgW="2286000" imgH="444240" progId="Equation.DSMT4">
+                <p:oleObj spid="_x0000_s12847" name="Equation" r:id="rId6" imgW="2286000" imgH="444240" progId="Equation.DSMT4">
                   <p:embed/>
                 </p:oleObj>
               </mc:Choice>
@@ -18217,7 +18658,7 @@
           <a:graphicData uri="http://schemas.openxmlformats.org/presentationml/2006/ole">
             <mc:AlternateContent xmlns:mc="http://schemas.openxmlformats.org/markup-compatibility/2006">
               <mc:Choice xmlns:v="urn:schemas-microsoft-com:vml" Requires="v">
-                <p:oleObj spid="_x0000_s12548" name="Equation" r:id="rId7" imgW="2298600" imgH="444240" progId="Equation.DSMT4">
+                <p:oleObj spid="_x0000_s12848" name="Equation" r:id="rId7" imgW="2298600" imgH="444240" progId="Equation.DSMT4">
                   <p:embed/>
                 </p:oleObj>
               </mc:Choice>
@@ -18274,7 +18715,7 @@
           <a:graphicData uri="http://schemas.openxmlformats.org/presentationml/2006/ole">
             <mc:AlternateContent xmlns:mc="http://schemas.openxmlformats.org/markup-compatibility/2006">
               <mc:Choice xmlns:v="urn:schemas-microsoft-com:vml" Requires="v">
-                <p:oleObj spid="_x0000_s12549" name="Equation" r:id="rId9" imgW="2273040" imgH="444240" progId="Equation.DSMT4">
+                <p:oleObj spid="_x0000_s12849" name="Equation" r:id="rId9" imgW="2273040" imgH="444240" progId="Equation.DSMT4">
                   <p:embed/>
                 </p:oleObj>
               </mc:Choice>
